--- a/ppts/Docker/3_Docker_Dockerfile.pptx
+++ b/ppts/Docker/3_Docker_Dockerfile.pptx
@@ -5,10 +5,10 @@
     <p:sldMasterId id="2147483648" r:id="rId4"/>
   </p:sldMasterIdLst>
   <p:notesMasterIdLst>
-    <p:notesMasterId r:id="rId25"/>
+    <p:notesMasterId r:id="rId26"/>
   </p:notesMasterIdLst>
   <p:handoutMasterIdLst>
-    <p:handoutMasterId r:id="rId26"/>
+    <p:handoutMasterId r:id="rId27"/>
   </p:handoutMasterIdLst>
   <p:sldIdLst>
     <p:sldId id="271" r:id="rId5"/>
@@ -28,14 +28,15 @@
     <p:sldId id="483" r:id="rId19"/>
     <p:sldId id="484" r:id="rId20"/>
     <p:sldId id="485" r:id="rId21"/>
-    <p:sldId id="476" r:id="rId22"/>
-    <p:sldId id="322" r:id="rId23"/>
-    <p:sldId id="323" r:id="rId24"/>
+    <p:sldId id="486" r:id="rId22"/>
+    <p:sldId id="476" r:id="rId23"/>
+    <p:sldId id="322" r:id="rId24"/>
+    <p:sldId id="323" r:id="rId25"/>
   </p:sldIdLst>
   <p:sldSz cx="9144000" cy="6858000" type="screen4x3"/>
   <p:notesSz cx="6858000" cy="9144000"/>
   <p:custDataLst>
-    <p:tags r:id="rId27"/>
+    <p:tags r:id="rId28"/>
   </p:custDataLst>
   <p:defaultTextStyle>
     <a:defPPr>
@@ -154,6 +155,7 @@
             <p14:sldId id="483"/>
             <p14:sldId id="484"/>
             <p14:sldId id="485"/>
+            <p14:sldId id="486"/>
             <p14:sldId id="476"/>
             <p14:sldId id="322"/>
             <p14:sldId id="323"/>
@@ -264,7 +266,7 @@
           <a:p>
             <a:fld id="{A73B3874-4EDE-4EDC-B525-8967D0BF9027}" type="datetimeFigureOut">
               <a:rPr lang="en-IN" smtClean="0"/>
-              <a:t>09/10/22</a:t>
+              <a:t>10/10/22</a:t>
             </a:fld>
             <a:endParaRPr lang="en-IN"/>
           </a:p>
@@ -429,7 +431,7 @@
           <a:p>
             <a:fld id="{FBA77E9D-1F26-455B-9FC4-1E2D7C5371B8}" type="datetimeFigureOut">
               <a:rPr lang="en-US" smtClean="0"/>
-              <a:t>10/9/22</a:t>
+              <a:t>10/10/22</a:t>
             </a:fld>
             <a:endParaRPr lang="en-US" dirty="0"/>
           </a:p>
@@ -2153,11 +2155,20 @@
                 <a:ea typeface="+mn-ea"/>
                 <a:cs typeface="+mn-cs"/>
               </a:rPr>
-              <a:t>example.</a:t>
-            </a:r>
-          </a:p>
-          <a:p>
-            <a:pPr lvl="1"/>
+              <a:t>https://</a:t>
+            </a:r>
+            <a:r>
+              <a:rPr lang="en-US" sz="1200" b="0" i="0" kern="1200" dirty="0" err="1">
+                <a:solidFill>
+                  <a:schemeClr val="tx1"/>
+                </a:solidFill>
+                <a:effectLst/>
+                <a:latin typeface="+mn-lt"/>
+                <a:ea typeface="+mn-ea"/>
+                <a:cs typeface="+mn-cs"/>
+              </a:rPr>
+              <a:t>devtron.ai</a:t>
+            </a:r>
             <a:r>
               <a:rPr lang="en-US" sz="1200" b="0" i="0" kern="1200" dirty="0">
                 <a:solidFill>
@@ -2168,7 +2179,7 @@
                 <a:ea typeface="+mn-ea"/>
                 <a:cs typeface="+mn-cs"/>
               </a:rPr>
-              <a:t>Suppose, you have five test cases, one method is written for each test case (Assume that the program is written using the main method without using </a:t>
+              <a:t>/blog/</a:t>
             </a:r>
             <a:r>
               <a:rPr lang="en-US" sz="1200" b="0" i="0" kern="1200" dirty="0" err="1">
@@ -2180,7 +2191,7 @@
                 <a:ea typeface="+mn-ea"/>
                 <a:cs typeface="+mn-cs"/>
               </a:rPr>
-              <a:t>testNG</a:t>
+              <a:t>cmd</a:t>
             </a:r>
             <a:r>
               <a:rPr lang="en-US" sz="1200" b="0" i="0" kern="1200" dirty="0">
@@ -2192,7 +2203,7 @@
                 <a:ea typeface="+mn-ea"/>
                 <a:cs typeface="+mn-cs"/>
               </a:rPr>
-              <a:t>). When you run this program first, three methods are executed successfully, and the fourth method is failed. Then correct the errors present in the fourth method, now you want to run only fourth method because first three methods are anyway executed successfully. This is not possible without using </a:t>
+              <a:t>-and-</a:t>
             </a:r>
             <a:r>
               <a:rPr lang="en-US" sz="1200" b="0" i="0" kern="1200" dirty="0" err="1">
@@ -2204,17 +2215,20 @@
                 <a:ea typeface="+mn-ea"/>
                 <a:cs typeface="+mn-cs"/>
               </a:rPr>
-              <a:t>TestNG</a:t>
-            </a:r>
-            <a:endParaRPr lang="en-US" sz="1200" b="0" i="0" kern="1200" dirty="0">
-              <a:solidFill>
-                <a:schemeClr val="tx1"/>
-              </a:solidFill>
-              <a:effectLst/>
-              <a:latin typeface="+mn-lt"/>
-              <a:ea typeface="+mn-ea"/>
-              <a:cs typeface="+mn-cs"/>
-            </a:endParaRPr>
+              <a:t>entrypoint</a:t>
+            </a:r>
+            <a:r>
+              <a:rPr lang="en-US" sz="1200" b="0" i="0" kern="1200" dirty="0">
+                <a:solidFill>
+                  <a:schemeClr val="tx1"/>
+                </a:solidFill>
+                <a:effectLst/>
+                <a:latin typeface="+mn-lt"/>
+                <a:ea typeface="+mn-ea"/>
+                <a:cs typeface="+mn-cs"/>
+              </a:rPr>
+              <a:t>-differences/#:~:text=CMD%3A%20Sets%20default%20parameters%20that,Docker%20Containers%20with%20CLI%20parameters.</a:t>
+            </a:r>
           </a:p>
         </p:txBody>
       </p:sp>
@@ -2308,11 +2322,20 @@
                 <a:ea typeface="+mn-ea"/>
                 <a:cs typeface="+mn-cs"/>
               </a:rPr>
-              <a:t>example.</a:t>
-            </a:r>
-          </a:p>
-          <a:p>
-            <a:pPr lvl="1"/>
+              <a:t>https://</a:t>
+            </a:r>
+            <a:r>
+              <a:rPr lang="en-US" sz="1200" b="0" i="0" kern="1200" dirty="0" err="1">
+                <a:solidFill>
+                  <a:schemeClr val="tx1"/>
+                </a:solidFill>
+                <a:effectLst/>
+                <a:latin typeface="+mn-lt"/>
+                <a:ea typeface="+mn-ea"/>
+                <a:cs typeface="+mn-cs"/>
+              </a:rPr>
+              <a:t>devtron.ai</a:t>
+            </a:r>
             <a:r>
               <a:rPr lang="en-US" sz="1200" b="0" i="0" kern="1200" dirty="0">
                 <a:solidFill>
@@ -2323,7 +2346,7 @@
                 <a:ea typeface="+mn-ea"/>
                 <a:cs typeface="+mn-cs"/>
               </a:rPr>
-              <a:t>Suppose, you have five test cases, one method is written for each test case (Assume that the program is written using the main method without using </a:t>
+              <a:t>/blog/</a:t>
             </a:r>
             <a:r>
               <a:rPr lang="en-US" sz="1200" b="0" i="0" kern="1200" dirty="0" err="1">
@@ -2335,7 +2358,7 @@
                 <a:ea typeface="+mn-ea"/>
                 <a:cs typeface="+mn-cs"/>
               </a:rPr>
-              <a:t>testNG</a:t>
+              <a:t>cmd</a:t>
             </a:r>
             <a:r>
               <a:rPr lang="en-US" sz="1200" b="0" i="0" kern="1200" dirty="0">
@@ -2347,7 +2370,7 @@
                 <a:ea typeface="+mn-ea"/>
                 <a:cs typeface="+mn-cs"/>
               </a:rPr>
-              <a:t>). When you run this program first, three methods are executed successfully, and the fourth method is failed. Then correct the errors present in the fourth method, now you want to run only fourth method because first three methods are anyway executed successfully. This is not possible without using </a:t>
+              <a:t>-and-</a:t>
             </a:r>
             <a:r>
               <a:rPr lang="en-US" sz="1200" b="0" i="0" kern="1200" dirty="0" err="1">
@@ -2359,17 +2382,20 @@
                 <a:ea typeface="+mn-ea"/>
                 <a:cs typeface="+mn-cs"/>
               </a:rPr>
-              <a:t>TestNG</a:t>
-            </a:r>
-            <a:endParaRPr lang="en-US" sz="1200" b="0" i="0" kern="1200" dirty="0">
-              <a:solidFill>
-                <a:schemeClr val="tx1"/>
-              </a:solidFill>
-              <a:effectLst/>
-              <a:latin typeface="+mn-lt"/>
-              <a:ea typeface="+mn-ea"/>
-              <a:cs typeface="+mn-cs"/>
-            </a:endParaRPr>
+              <a:t>entrypoint</a:t>
+            </a:r>
+            <a:r>
+              <a:rPr lang="en-US" sz="1200" b="0" i="0" kern="1200" dirty="0">
+                <a:solidFill>
+                  <a:schemeClr val="tx1"/>
+                </a:solidFill>
+                <a:effectLst/>
+                <a:latin typeface="+mn-lt"/>
+                <a:ea typeface="+mn-ea"/>
+                <a:cs typeface="+mn-cs"/>
+              </a:rPr>
+              <a:t>-differences/#:~:text=CMD%3A%20Sets%20default%20parameters%20that,Docker%20Containers%20with%20CLI%20parameters.</a:t>
+            </a:r>
           </a:p>
         </p:txBody>
       </p:sp>
@@ -2391,6 +2417,161 @@
             <a:fld id="{73FCE4C0-1175-4F38-90ED-AE7A39817694}" type="slidenum">
               <a:rPr lang="en-US" smtClean="0"/>
               <a:t>18</a:t>
+            </a:fld>
+            <a:endParaRPr lang="en-US" dirty="0"/>
+          </a:p>
+        </p:txBody>
+      </p:sp>
+    </p:spTree>
+    <p:extLst>
+      <p:ext uri="{BB962C8B-B14F-4D97-AF65-F5344CB8AC3E}">
+        <p14:creationId xmlns:p14="http://schemas.microsoft.com/office/powerpoint/2010/main" val="402405241"/>
+      </p:ext>
+    </p:extLst>
+  </p:cSld>
+  <p:clrMapOvr>
+    <a:masterClrMapping/>
+  </p:clrMapOvr>
+</p:notes>
+</file>
+
+<file path=ppt/notesSlides/notesSlide19.xml><?xml version="1.0" encoding="utf-8"?>
+<p:notes xmlns:a="http://schemas.openxmlformats.org/drawingml/2006/main" xmlns:r="http://schemas.openxmlformats.org/officeDocument/2006/relationships" xmlns:p="http://schemas.openxmlformats.org/presentationml/2006/main">
+  <p:cSld>
+    <p:spTree>
+      <p:nvGrpSpPr>
+        <p:cNvPr id="1" name=""/>
+        <p:cNvGrpSpPr/>
+        <p:nvPr/>
+      </p:nvGrpSpPr>
+      <p:grpSpPr>
+        <a:xfrm>
+          <a:off x="0" y="0"/>
+          <a:ext cx="0" cy="0"/>
+          <a:chOff x="0" y="0"/>
+          <a:chExt cx="0" cy="0"/>
+        </a:xfrm>
+      </p:grpSpPr>
+      <p:sp>
+        <p:nvSpPr>
+          <p:cNvPr id="2" name="Slide Image Placeholder 1"/>
+          <p:cNvSpPr>
+            <a:spLocks noGrp="1" noRot="1" noChangeAspect="1"/>
+          </p:cNvSpPr>
+          <p:nvPr>
+            <p:ph type="sldImg"/>
+          </p:nvPr>
+        </p:nvSpPr>
+        <p:spPr/>
+      </p:sp>
+      <p:sp>
+        <p:nvSpPr>
+          <p:cNvPr id="3" name="Notes Placeholder 2"/>
+          <p:cNvSpPr>
+            <a:spLocks noGrp="1"/>
+          </p:cNvSpPr>
+          <p:nvPr>
+            <p:ph type="body" idx="1"/>
+          </p:nvPr>
+        </p:nvSpPr>
+        <p:spPr/>
+        <p:txBody>
+          <a:bodyPr/>
+          <a:lstStyle/>
+          <a:p>
+            <a:r>
+              <a:rPr lang="en-US" sz="1200" b="0" i="0" kern="1200" dirty="0">
+                <a:solidFill>
+                  <a:schemeClr val="tx1"/>
+                </a:solidFill>
+                <a:effectLst/>
+                <a:latin typeface="+mn-lt"/>
+                <a:ea typeface="+mn-ea"/>
+                <a:cs typeface="+mn-cs"/>
+              </a:rPr>
+              <a:t>example.</a:t>
+            </a:r>
+          </a:p>
+          <a:p>
+            <a:pPr lvl="1"/>
+            <a:r>
+              <a:rPr lang="en-US" sz="1200" b="0" i="0" kern="1200" dirty="0">
+                <a:solidFill>
+                  <a:schemeClr val="tx1"/>
+                </a:solidFill>
+                <a:effectLst/>
+                <a:latin typeface="+mn-lt"/>
+                <a:ea typeface="+mn-ea"/>
+                <a:cs typeface="+mn-cs"/>
+              </a:rPr>
+              <a:t>Suppose, you have five test cases, one method is written for each test case (Assume that the program is written using the main method without using </a:t>
+            </a:r>
+            <a:r>
+              <a:rPr lang="en-US" sz="1200" b="0" i="0" kern="1200" dirty="0" err="1">
+                <a:solidFill>
+                  <a:schemeClr val="tx1"/>
+                </a:solidFill>
+                <a:effectLst/>
+                <a:latin typeface="+mn-lt"/>
+                <a:ea typeface="+mn-ea"/>
+                <a:cs typeface="+mn-cs"/>
+              </a:rPr>
+              <a:t>testNG</a:t>
+            </a:r>
+            <a:r>
+              <a:rPr lang="en-US" sz="1200" b="0" i="0" kern="1200" dirty="0">
+                <a:solidFill>
+                  <a:schemeClr val="tx1"/>
+                </a:solidFill>
+                <a:effectLst/>
+                <a:latin typeface="+mn-lt"/>
+                <a:ea typeface="+mn-ea"/>
+                <a:cs typeface="+mn-cs"/>
+              </a:rPr>
+              <a:t>). When you run this program first, three methods are executed successfully, and the fourth method is failed. Then correct the errors present in the fourth method, now you want to run only fourth method because first three methods are anyway executed successfully. This is not possible without using </a:t>
+            </a:r>
+            <a:r>
+              <a:rPr lang="en-US" sz="1200" b="0" i="0" kern="1200" dirty="0" err="1">
+                <a:solidFill>
+                  <a:schemeClr val="tx1"/>
+                </a:solidFill>
+                <a:effectLst/>
+                <a:latin typeface="+mn-lt"/>
+                <a:ea typeface="+mn-ea"/>
+                <a:cs typeface="+mn-cs"/>
+              </a:rPr>
+              <a:t>TestNG</a:t>
+            </a:r>
+            <a:endParaRPr lang="en-US" sz="1200" b="0" i="0" kern="1200" dirty="0">
+              <a:solidFill>
+                <a:schemeClr val="tx1"/>
+              </a:solidFill>
+              <a:effectLst/>
+              <a:latin typeface="+mn-lt"/>
+              <a:ea typeface="+mn-ea"/>
+              <a:cs typeface="+mn-cs"/>
+            </a:endParaRPr>
+          </a:p>
+        </p:txBody>
+      </p:sp>
+      <p:sp>
+        <p:nvSpPr>
+          <p:cNvPr id="4" name="Slide Number Placeholder 3"/>
+          <p:cNvSpPr>
+            <a:spLocks noGrp="1"/>
+          </p:cNvSpPr>
+          <p:nvPr>
+            <p:ph type="sldNum" sz="quarter" idx="10"/>
+          </p:nvPr>
+        </p:nvSpPr>
+        <p:spPr/>
+        <p:txBody>
+          <a:bodyPr/>
+          <a:lstStyle/>
+          <a:p>
+            <a:fld id="{73FCE4C0-1175-4F38-90ED-AE7A39817694}" type="slidenum">
+              <a:rPr lang="en-US" smtClean="0"/>
+              <a:t>19</a:t>
             </a:fld>
             <a:endParaRPr lang="en-US" dirty="0"/>
           </a:p>
@@ -8507,6 +8688,15 @@
             </a:r>
           </a:p>
           <a:p>
+            <a:r>
+              <a:rPr lang="en-US" sz="2000" dirty="0"/>
+              <a:t>ENTRYPOINT: Default parameters that cannot be overridden while executing Docker Containers with CLI parameters.</a:t>
+            </a:r>
+          </a:p>
+          <a:p>
+            <a:endParaRPr lang="en-US" sz="2000" dirty="0"/>
+          </a:p>
+          <a:p>
             <a:endParaRPr lang="en-US" sz="2000" dirty="0"/>
           </a:p>
         </p:txBody>
@@ -8967,6 +9157,94 @@
                                           <p:spTgt spid="3">
                                             <p:txEl>
                                               <p:pRg st="4" end="4"/>
+                                            </p:txEl>
+                                          </p:spTgt>
+                                        </p:tgtEl>
+                                      </p:cBhvr>
+                                    </p:animEffect>
+                                  </p:childTnLst>
+                                </p:cTn>
+                              </p:par>
+                            </p:childTnLst>
+                          </p:cTn>
+                        </p:par>
+                      </p:childTnLst>
+                    </p:cTn>
+                  </p:par>
+                  <p:par>
+                    <p:cTn id="33" fill="hold">
+                      <p:stCondLst>
+                        <p:cond delay="indefinite"/>
+                      </p:stCondLst>
+                      <p:childTnLst>
+                        <p:par>
+                          <p:cTn id="34" fill="hold">
+                            <p:stCondLst>
+                              <p:cond delay="0"/>
+                            </p:stCondLst>
+                            <p:childTnLst>
+                              <p:par>
+                                <p:cTn id="35" presetID="12" presetClass="entr" presetSubtype="4" fill="hold" grpId="0" nodeType="clickEffect">
+                                  <p:stCondLst>
+                                    <p:cond delay="0"/>
+                                  </p:stCondLst>
+                                  <p:childTnLst>
+                                    <p:set>
+                                      <p:cBhvr>
+                                        <p:cTn id="36" dur="1" fill="hold">
+                                          <p:stCondLst>
+                                            <p:cond delay="0"/>
+                                          </p:stCondLst>
+                                        </p:cTn>
+                                        <p:tgtEl>
+                                          <p:spTgt spid="3">
+                                            <p:txEl>
+                                              <p:pRg st="5" end="5"/>
+                                            </p:txEl>
+                                          </p:spTgt>
+                                        </p:tgtEl>
+                                        <p:attrNameLst>
+                                          <p:attrName>style.visibility</p:attrName>
+                                        </p:attrNameLst>
+                                      </p:cBhvr>
+                                      <p:to>
+                                        <p:strVal val="visible"/>
+                                      </p:to>
+                                    </p:set>
+                                    <p:anim calcmode="lin" valueType="num">
+                                      <p:cBhvr additive="base">
+                                        <p:cTn id="37" dur="500"/>
+                                        <p:tgtEl>
+                                          <p:spTgt spid="3">
+                                            <p:txEl>
+                                              <p:pRg st="5" end="5"/>
+                                            </p:txEl>
+                                          </p:spTgt>
+                                        </p:tgtEl>
+                                        <p:attrNameLst>
+                                          <p:attrName>ppt_y</p:attrName>
+                                        </p:attrNameLst>
+                                      </p:cBhvr>
+                                      <p:tavLst>
+                                        <p:tav tm="0">
+                                          <p:val>
+                                            <p:strVal val="#ppt_y+#ppt_h*1.125000"/>
+                                          </p:val>
+                                        </p:tav>
+                                        <p:tav tm="100000">
+                                          <p:val>
+                                            <p:strVal val="#ppt_y"/>
+                                          </p:val>
+                                        </p:tav>
+                                      </p:tavLst>
+                                    </p:anim>
+                                    <p:animEffect transition="in" filter="wipe(up)">
+                                      <p:cBhvr>
+                                        <p:cTn id="38" dur="500"/>
+                                        <p:tgtEl>
+                                          <p:spTgt spid="3">
+                                            <p:txEl>
+                                              <p:pRg st="5" end="5"/>
                                             </p:txEl>
                                           </p:spTgt>
                                         </p:tgtEl>
@@ -9042,9 +9320,14 @@
           <a:lstStyle/>
           <a:p>
             <a:r>
-              <a:rPr lang="en-US" dirty="0"/>
-              <a:t>References</a:t>
-            </a:r>
+              <a:rPr lang="en-IN" dirty="0"/>
+              <a:t>Spring Boot </a:t>
+            </a:r>
+            <a:r>
+              <a:rPr lang="en-IN" dirty="0" err="1"/>
+              <a:t>MongoDb</a:t>
+            </a:r>
+            <a:endParaRPr lang="en-US" dirty="0"/>
           </a:p>
         </p:txBody>
       </p:sp>
@@ -9061,7 +9344,7 @@
         <p:spPr>
           <a:xfrm>
             <a:off x="304800" y="685800"/>
-            <a:ext cx="8534400" cy="5867400"/>
+            <a:ext cx="8534400" cy="2057400"/>
           </a:xfrm>
         </p:spPr>
         <p:txBody>
@@ -9071,66 +9354,200 @@
           <a:lstStyle/>
           <a:p>
             <a:r>
-              <a:rPr lang="en-US" sz="2000" dirty="0">
-                <a:hlinkClick r:id="rId3"/>
-              </a:rPr>
-              <a:t>https://takacsmark.com/what-is-docker-what-it-can-do-for-you/</a:t>
+              <a:rPr lang="en-US" sz="2000" dirty="0"/>
+              <a:t>Create a project </a:t>
+            </a:r>
+            <a:r>
+              <a:rPr lang="en-US" sz="2000" dirty="0" err="1"/>
+              <a:t>SpringBootDockerDemo</a:t>
+            </a:r>
+            <a:r>
+              <a:rPr lang="en-US" sz="2000" dirty="0"/>
+              <a:t> or import it.</a:t>
+            </a:r>
+          </a:p>
+          <a:p>
+            <a:r>
+              <a:rPr lang="en-US" sz="2000" dirty="0"/>
+              <a:t>Do not add anything in properties file</a:t>
+            </a:r>
+          </a:p>
+          <a:p>
+            <a:r>
+              <a:rPr lang="en-US" sz="2000" dirty="0"/>
+              <a:t>Add </a:t>
+            </a:r>
+            <a:r>
+              <a:rPr lang="en-US" sz="2000" dirty="0" err="1"/>
+              <a:t>Dockerfile</a:t>
+            </a:r>
+            <a:r>
+              <a:rPr lang="en-US" sz="2000" dirty="0"/>
+              <a:t> in the root folder and add below contents:</a:t>
+            </a:r>
+            <a:br>
+              <a:rPr lang="en-US" sz="2000" dirty="0"/>
+            </a:br>
+            <a:r>
+              <a:rPr lang="en-US" sz="2000" dirty="0"/>
+              <a:t>FROM openjdk:11</a:t>
+            </a:r>
+            <a:br>
+              <a:rPr lang="en-US" sz="2000" dirty="0"/>
+            </a:br>
+            <a:r>
+              <a:rPr lang="en-US" sz="2000" dirty="0"/>
+              <a:t>ARG JAR_FILE=target/*.jar</a:t>
+            </a:r>
+            <a:br>
+              <a:rPr lang="en-US" sz="2000" dirty="0"/>
+            </a:br>
+            <a:r>
+              <a:rPr lang="en-US" sz="2000" dirty="0"/>
+              <a:t>COPY ${JAR_FILE} </a:t>
+            </a:r>
+            <a:r>
+              <a:rPr lang="en-US" sz="2000" dirty="0" err="1"/>
+              <a:t>app.jar</a:t>
+            </a:r>
+            <a:br>
+              <a:rPr lang="en-US" sz="2000" dirty="0"/>
+            </a:br>
+            <a:r>
+              <a:rPr lang="en-US" sz="2000" dirty="0"/>
+              <a:t>EXPOSE 8080</a:t>
+            </a:r>
+            <a:br>
+              <a:rPr lang="en-US" sz="2000" dirty="0"/>
+            </a:br>
+            <a:r>
+              <a:rPr lang="en-US" sz="2000" dirty="0"/>
+              <a:t>ENTRYPOINT ["java","-</a:t>
+            </a:r>
+            <a:r>
+              <a:rPr lang="en-US" sz="2000" dirty="0" err="1"/>
+              <a:t>Dspring.data.mongodb.uri</a:t>
+            </a:r>
+            <a:r>
+              <a:rPr lang="en-US" sz="2000" dirty="0"/>
+              <a:t>=</a:t>
+            </a:r>
+            <a:r>
+              <a:rPr lang="en-US" sz="2000" dirty="0" err="1"/>
+              <a:t>mongodb</a:t>
+            </a:r>
+            <a:r>
+              <a:rPr lang="en-US" sz="2000" dirty="0"/>
+              <a:t>://mongo/test","-jar","/</a:t>
+            </a:r>
+            <a:r>
+              <a:rPr lang="en-US" sz="2000" dirty="0" err="1"/>
+              <a:t>app.jar</a:t>
+            </a:r>
+            <a:r>
+              <a:rPr lang="en-US" sz="2000" dirty="0"/>
+              <a:t>"]</a:t>
+            </a:r>
+          </a:p>
+          <a:p>
+            <a:r>
+              <a:rPr lang="en-US" sz="2000" dirty="0"/>
+              <a:t>Run project as Maven install that will create the jar file</a:t>
+            </a:r>
+          </a:p>
+          <a:p>
+            <a:r>
+              <a:rPr lang="en-US" sz="2000" dirty="0"/>
+              <a:t>Then from root folder create docker image:</a:t>
+            </a:r>
+            <a:br>
+              <a:rPr lang="en-US" sz="2000" dirty="0"/>
+            </a:br>
+            <a:r>
+              <a:rPr lang="en-US" sz="2000" dirty="0"/>
+              <a:t>docker build –t </a:t>
+            </a:r>
+            <a:r>
+              <a:rPr lang="en-US" sz="2000" dirty="0" err="1"/>
+              <a:t>spring_mongo</a:t>
+            </a:r>
+            <a:r>
+              <a:rPr lang="en-US" sz="2000" dirty="0"/>
+              <a:t> .</a:t>
+            </a:r>
+          </a:p>
+          <a:p>
+            <a:r>
+              <a:rPr lang="en-US" sz="2000" dirty="0"/>
+              <a:t>Download and run mongo image as follows:</a:t>
+            </a:r>
+            <a:br>
+              <a:rPr lang="en-US" sz="2000" dirty="0"/>
+            </a:br>
+            <a:r>
+              <a:rPr lang="en-US" sz="2000" dirty="0"/>
+              <a:t>docker pull mongo</a:t>
+            </a:r>
+            <a:br>
+              <a:rPr lang="en-US" sz="2000" dirty="0"/>
+            </a:br>
+            <a:r>
+              <a:rPr lang="en-US" sz="2000" dirty="0"/>
+              <a:t>docker run -d --name mongo -p 27017:27017 mongo</a:t>
+            </a:r>
+          </a:p>
+          <a:p>
+            <a:r>
+              <a:rPr lang="en-US" sz="2000" dirty="0"/>
+              <a:t>Then run spring boot application from the image</a:t>
+            </a:r>
+            <a:br>
+              <a:rPr lang="en-US" sz="2000" dirty="0"/>
+            </a:br>
+            <a:r>
+              <a:rPr lang="en-US" sz="2000" dirty="0"/>
+              <a:t>docker run --name </a:t>
+            </a:r>
+            <a:r>
+              <a:rPr lang="en-US" sz="2000" dirty="0" err="1"/>
+              <a:t>springmongodb</a:t>
+            </a:r>
+            <a:r>
+              <a:rPr lang="en-US" sz="2000" dirty="0"/>
+              <a:t> -p 8080:8080 --link mongo </a:t>
+            </a:r>
+            <a:r>
+              <a:rPr lang="en-US" sz="2000" dirty="0" err="1"/>
+              <a:t>spring_mongo</a:t>
             </a:r>
             <a:endParaRPr lang="en-US" sz="2000" dirty="0"/>
           </a:p>
           <a:p>
             <a:r>
-              <a:rPr lang="en-US" sz="2000" dirty="0">
-                <a:hlinkClick r:id="rId4"/>
-              </a:rPr>
-              <a:t>https://docs.docker.com/develop/develop-images/multistage-build/</a:t>
+              <a:rPr lang="en-US" sz="2000" dirty="0"/>
+              <a:t>Access users </a:t>
+            </a:r>
+            <a:r>
+              <a:rPr lang="en-US" sz="2000"/>
+              <a:t>on localhost:8080/users</a:t>
             </a:r>
             <a:endParaRPr lang="en-US" sz="2000" dirty="0"/>
           </a:p>
           <a:p>
-            <a:r>
-              <a:rPr lang="en-US" sz="2000" dirty="0">
-                <a:hlinkClick r:id="rId5"/>
-              </a:rPr>
-              <a:t>https://docs.docker.com/develop/develop-images/dockerfile_best-practices/</a:t>
-            </a:r>
-            <a:r>
-              <a:rPr lang="en-US" sz="2000" dirty="0"/>
-              <a:t>   </a:t>
-            </a:r>
-          </a:p>
-          <a:p>
-            <a:r>
-              <a:rPr lang="en-US" sz="2000" dirty="0">
-                <a:hlinkClick r:id="rId6"/>
-              </a:rPr>
-              <a:t>https://www.section.io/engineering-education/build-and-dockerize-a-full-stack-react-app-with-nodejs-and-nginx/</a:t>
-            </a:r>
-            <a:r>
-              <a:rPr lang="en-US" sz="2000" dirty="0"/>
-              <a:t> </a:t>
-            </a:r>
-          </a:p>
-          <a:p>
-            <a:r>
-              <a:rPr lang="en-US" sz="2000" dirty="0"/>
-              <a:t>https://</a:t>
-            </a:r>
-            <a:r>
-              <a:rPr lang="en-US" sz="2000" dirty="0" err="1"/>
-              <a:t>developer.okta.com</a:t>
-            </a:r>
-            <a:r>
-              <a:rPr lang="en-US" sz="2000" dirty="0"/>
-              <a:t>/blog/2019/02/28/spring-microservices-docker</a:t>
-            </a:r>
+            <a:endParaRPr lang="en-US" sz="2000" dirty="0"/>
+          </a:p>
+          <a:p>
+            <a:endParaRPr lang="en-US" sz="2000" dirty="0"/>
+          </a:p>
+          <a:p>
+            <a:endParaRPr lang="en-US" sz="2000" dirty="0"/>
           </a:p>
         </p:txBody>
       </p:sp>
     </p:spTree>
     <p:extLst>
       <p:ext uri="{BB962C8B-B14F-4D97-AF65-F5344CB8AC3E}">
-        <p14:creationId xmlns:p14="http://schemas.microsoft.com/office/powerpoint/2010/main" val="2889336405"/>
+        <p14:creationId xmlns:p14="http://schemas.microsoft.com/office/powerpoint/2010/main" val="3791394048"/>
       </p:ext>
     </p:extLst>
   </p:cSld>
@@ -9583,6 +10000,270 @@
                                           <p:spTgt spid="3">
                                             <p:txEl>
                                               <p:pRg st="4" end="4"/>
+                                            </p:txEl>
+                                          </p:spTgt>
+                                        </p:tgtEl>
+                                      </p:cBhvr>
+                                    </p:animEffect>
+                                  </p:childTnLst>
+                                </p:cTn>
+                              </p:par>
+                            </p:childTnLst>
+                          </p:cTn>
+                        </p:par>
+                      </p:childTnLst>
+                    </p:cTn>
+                  </p:par>
+                  <p:par>
+                    <p:cTn id="33" fill="hold">
+                      <p:stCondLst>
+                        <p:cond delay="indefinite"/>
+                      </p:stCondLst>
+                      <p:childTnLst>
+                        <p:par>
+                          <p:cTn id="34" fill="hold">
+                            <p:stCondLst>
+                              <p:cond delay="0"/>
+                            </p:stCondLst>
+                            <p:childTnLst>
+                              <p:par>
+                                <p:cTn id="35" presetID="12" presetClass="entr" presetSubtype="4" fill="hold" grpId="0" nodeType="clickEffect">
+                                  <p:stCondLst>
+                                    <p:cond delay="0"/>
+                                  </p:stCondLst>
+                                  <p:childTnLst>
+                                    <p:set>
+                                      <p:cBhvr>
+                                        <p:cTn id="36" dur="1" fill="hold">
+                                          <p:stCondLst>
+                                            <p:cond delay="0"/>
+                                          </p:stCondLst>
+                                        </p:cTn>
+                                        <p:tgtEl>
+                                          <p:spTgt spid="3">
+                                            <p:txEl>
+                                              <p:pRg st="5" end="5"/>
+                                            </p:txEl>
+                                          </p:spTgt>
+                                        </p:tgtEl>
+                                        <p:attrNameLst>
+                                          <p:attrName>style.visibility</p:attrName>
+                                        </p:attrNameLst>
+                                      </p:cBhvr>
+                                      <p:to>
+                                        <p:strVal val="visible"/>
+                                      </p:to>
+                                    </p:set>
+                                    <p:anim calcmode="lin" valueType="num">
+                                      <p:cBhvr additive="base">
+                                        <p:cTn id="37" dur="500"/>
+                                        <p:tgtEl>
+                                          <p:spTgt spid="3">
+                                            <p:txEl>
+                                              <p:pRg st="5" end="5"/>
+                                            </p:txEl>
+                                          </p:spTgt>
+                                        </p:tgtEl>
+                                        <p:attrNameLst>
+                                          <p:attrName>ppt_y</p:attrName>
+                                        </p:attrNameLst>
+                                      </p:cBhvr>
+                                      <p:tavLst>
+                                        <p:tav tm="0">
+                                          <p:val>
+                                            <p:strVal val="#ppt_y+#ppt_h*1.125000"/>
+                                          </p:val>
+                                        </p:tav>
+                                        <p:tav tm="100000">
+                                          <p:val>
+                                            <p:strVal val="#ppt_y"/>
+                                          </p:val>
+                                        </p:tav>
+                                      </p:tavLst>
+                                    </p:anim>
+                                    <p:animEffect transition="in" filter="wipe(up)">
+                                      <p:cBhvr>
+                                        <p:cTn id="38" dur="500"/>
+                                        <p:tgtEl>
+                                          <p:spTgt spid="3">
+                                            <p:txEl>
+                                              <p:pRg st="5" end="5"/>
+                                            </p:txEl>
+                                          </p:spTgt>
+                                        </p:tgtEl>
+                                      </p:cBhvr>
+                                    </p:animEffect>
+                                  </p:childTnLst>
+                                </p:cTn>
+                              </p:par>
+                            </p:childTnLst>
+                          </p:cTn>
+                        </p:par>
+                      </p:childTnLst>
+                    </p:cTn>
+                  </p:par>
+                  <p:par>
+                    <p:cTn id="39" fill="hold">
+                      <p:stCondLst>
+                        <p:cond delay="indefinite"/>
+                      </p:stCondLst>
+                      <p:childTnLst>
+                        <p:par>
+                          <p:cTn id="40" fill="hold">
+                            <p:stCondLst>
+                              <p:cond delay="0"/>
+                            </p:stCondLst>
+                            <p:childTnLst>
+                              <p:par>
+                                <p:cTn id="41" presetID="12" presetClass="entr" presetSubtype="4" fill="hold" grpId="0" nodeType="clickEffect">
+                                  <p:stCondLst>
+                                    <p:cond delay="0"/>
+                                  </p:stCondLst>
+                                  <p:childTnLst>
+                                    <p:set>
+                                      <p:cBhvr>
+                                        <p:cTn id="42" dur="1" fill="hold">
+                                          <p:stCondLst>
+                                            <p:cond delay="0"/>
+                                          </p:stCondLst>
+                                        </p:cTn>
+                                        <p:tgtEl>
+                                          <p:spTgt spid="3">
+                                            <p:txEl>
+                                              <p:pRg st="6" end="6"/>
+                                            </p:txEl>
+                                          </p:spTgt>
+                                        </p:tgtEl>
+                                        <p:attrNameLst>
+                                          <p:attrName>style.visibility</p:attrName>
+                                        </p:attrNameLst>
+                                      </p:cBhvr>
+                                      <p:to>
+                                        <p:strVal val="visible"/>
+                                      </p:to>
+                                    </p:set>
+                                    <p:anim calcmode="lin" valueType="num">
+                                      <p:cBhvr additive="base">
+                                        <p:cTn id="43" dur="500"/>
+                                        <p:tgtEl>
+                                          <p:spTgt spid="3">
+                                            <p:txEl>
+                                              <p:pRg st="6" end="6"/>
+                                            </p:txEl>
+                                          </p:spTgt>
+                                        </p:tgtEl>
+                                        <p:attrNameLst>
+                                          <p:attrName>ppt_y</p:attrName>
+                                        </p:attrNameLst>
+                                      </p:cBhvr>
+                                      <p:tavLst>
+                                        <p:tav tm="0">
+                                          <p:val>
+                                            <p:strVal val="#ppt_y+#ppt_h*1.125000"/>
+                                          </p:val>
+                                        </p:tav>
+                                        <p:tav tm="100000">
+                                          <p:val>
+                                            <p:strVal val="#ppt_y"/>
+                                          </p:val>
+                                        </p:tav>
+                                      </p:tavLst>
+                                    </p:anim>
+                                    <p:animEffect transition="in" filter="wipe(up)">
+                                      <p:cBhvr>
+                                        <p:cTn id="44" dur="500"/>
+                                        <p:tgtEl>
+                                          <p:spTgt spid="3">
+                                            <p:txEl>
+                                              <p:pRg st="6" end="6"/>
+                                            </p:txEl>
+                                          </p:spTgt>
+                                        </p:tgtEl>
+                                      </p:cBhvr>
+                                    </p:animEffect>
+                                  </p:childTnLst>
+                                </p:cTn>
+                              </p:par>
+                            </p:childTnLst>
+                          </p:cTn>
+                        </p:par>
+                      </p:childTnLst>
+                    </p:cTn>
+                  </p:par>
+                  <p:par>
+                    <p:cTn id="45" fill="hold">
+                      <p:stCondLst>
+                        <p:cond delay="indefinite"/>
+                      </p:stCondLst>
+                      <p:childTnLst>
+                        <p:par>
+                          <p:cTn id="46" fill="hold">
+                            <p:stCondLst>
+                              <p:cond delay="0"/>
+                            </p:stCondLst>
+                            <p:childTnLst>
+                              <p:par>
+                                <p:cTn id="47" presetID="12" presetClass="entr" presetSubtype="4" fill="hold" grpId="0" nodeType="clickEffect">
+                                  <p:stCondLst>
+                                    <p:cond delay="0"/>
+                                  </p:stCondLst>
+                                  <p:childTnLst>
+                                    <p:set>
+                                      <p:cBhvr>
+                                        <p:cTn id="48" dur="1" fill="hold">
+                                          <p:stCondLst>
+                                            <p:cond delay="0"/>
+                                          </p:stCondLst>
+                                        </p:cTn>
+                                        <p:tgtEl>
+                                          <p:spTgt spid="3">
+                                            <p:txEl>
+                                              <p:pRg st="7" end="7"/>
+                                            </p:txEl>
+                                          </p:spTgt>
+                                        </p:tgtEl>
+                                        <p:attrNameLst>
+                                          <p:attrName>style.visibility</p:attrName>
+                                        </p:attrNameLst>
+                                      </p:cBhvr>
+                                      <p:to>
+                                        <p:strVal val="visible"/>
+                                      </p:to>
+                                    </p:set>
+                                    <p:anim calcmode="lin" valueType="num">
+                                      <p:cBhvr additive="base">
+                                        <p:cTn id="49" dur="500"/>
+                                        <p:tgtEl>
+                                          <p:spTgt spid="3">
+                                            <p:txEl>
+                                              <p:pRg st="7" end="7"/>
+                                            </p:txEl>
+                                          </p:spTgt>
+                                        </p:tgtEl>
+                                        <p:attrNameLst>
+                                          <p:attrName>ppt_y</p:attrName>
+                                        </p:attrNameLst>
+                                      </p:cBhvr>
+                                      <p:tavLst>
+                                        <p:tav tm="0">
+                                          <p:val>
+                                            <p:strVal val="#ppt_y+#ppt_h*1.125000"/>
+                                          </p:val>
+                                        </p:tav>
+                                        <p:tav tm="100000">
+                                          <p:val>
+                                            <p:strVal val="#ppt_y"/>
+                                          </p:val>
+                                        </p:tav>
+                                      </p:tavLst>
+                                    </p:anim>
+                                    <p:animEffect transition="in" filter="wipe(up)">
+                                      <p:cBhvr>
+                                        <p:cTn id="50" dur="500"/>
+                                        <p:tgtEl>
+                                          <p:spTgt spid="3">
+                                            <p:txEl>
+                                              <p:pRg st="7" end="7"/>
                                             </p:txEl>
                                           </p:spTgt>
                                         </p:tgtEl>
@@ -9659,6 +10340,1628 @@
           <a:p>
             <a:r>
               <a:rPr lang="en-US" dirty="0"/>
+              <a:t>References</a:t>
+            </a:r>
+          </a:p>
+        </p:txBody>
+      </p:sp>
+      <p:sp>
+        <p:nvSpPr>
+          <p:cNvPr id="3" name="Text Placeholder 2"/>
+          <p:cNvSpPr>
+            <a:spLocks noGrp="1"/>
+          </p:cNvSpPr>
+          <p:nvPr>
+            <p:ph type="body" sz="quarter" idx="10"/>
+          </p:nvPr>
+        </p:nvSpPr>
+        <p:spPr>
+          <a:xfrm>
+            <a:off x="304800" y="685800"/>
+            <a:ext cx="8534400" cy="5867400"/>
+          </a:xfrm>
+        </p:spPr>
+        <p:txBody>
+          <a:bodyPr>
+            <a:noAutofit/>
+          </a:bodyPr>
+          <a:lstStyle/>
+          <a:p>
+            <a:r>
+              <a:rPr lang="en-US" sz="2000" dirty="0">
+                <a:hlinkClick r:id="rId3"/>
+              </a:rPr>
+              <a:t>https://takacsmark.com/what-is-docker-what-it-can-do-for-you/</a:t>
+            </a:r>
+            <a:endParaRPr lang="en-US" sz="2000" dirty="0"/>
+          </a:p>
+          <a:p>
+            <a:r>
+              <a:rPr lang="en-US" sz="2000" dirty="0">
+                <a:hlinkClick r:id="rId4"/>
+              </a:rPr>
+              <a:t>https://docs.docker.com/develop/develop-images/multistage-build/</a:t>
+            </a:r>
+            <a:endParaRPr lang="en-US" sz="2000" dirty="0"/>
+          </a:p>
+          <a:p>
+            <a:r>
+              <a:rPr lang="en-US" sz="2000" dirty="0">
+                <a:hlinkClick r:id="rId5"/>
+              </a:rPr>
+              <a:t>https://docs.docker.com/develop/develop-images/dockerfile_best-practices/</a:t>
+            </a:r>
+            <a:r>
+              <a:rPr lang="en-US" sz="2000" dirty="0"/>
+              <a:t>   </a:t>
+            </a:r>
+          </a:p>
+          <a:p>
+            <a:r>
+              <a:rPr lang="en-US" sz="2000" dirty="0">
+                <a:hlinkClick r:id="rId6"/>
+              </a:rPr>
+              <a:t>https://www.section.io/engineering-education/build-and-dockerize-a-full-stack-react-app-with-nodejs-and-nginx/</a:t>
+            </a:r>
+            <a:r>
+              <a:rPr lang="en-US" sz="2000" dirty="0"/>
+              <a:t> </a:t>
+            </a:r>
+          </a:p>
+          <a:p>
+            <a:r>
+              <a:rPr lang="en-US" sz="2000" dirty="0">
+                <a:hlinkClick r:id="rId7"/>
+              </a:rPr>
+              <a:t>https://developer.okta.com/blog/2019/02/28/spring-microservices-docker</a:t>
+            </a:r>
+            <a:endParaRPr lang="en-US" sz="2000" dirty="0"/>
+          </a:p>
+          <a:p>
+            <a:r>
+              <a:rPr lang="en-US" sz="2000" dirty="0"/>
+              <a:t>https://</a:t>
+            </a:r>
+            <a:r>
+              <a:rPr lang="en-US" sz="2000" dirty="0" err="1"/>
+              <a:t>www.appsdeveloperblog.com</a:t>
+            </a:r>
+            <a:r>
+              <a:rPr lang="en-US" sz="2000" dirty="0"/>
+              <a:t>/deploying-spring-boot-</a:t>
+            </a:r>
+            <a:r>
+              <a:rPr lang="en-US" sz="2000" dirty="0" err="1"/>
+              <a:t>mongodb</a:t>
+            </a:r>
+            <a:r>
+              <a:rPr lang="en-US" sz="2000" dirty="0"/>
+              <a:t>-application-with-docker/</a:t>
+            </a:r>
+          </a:p>
+        </p:txBody>
+      </p:sp>
+    </p:spTree>
+    <p:extLst>
+      <p:ext uri="{BB962C8B-B14F-4D97-AF65-F5344CB8AC3E}">
+        <p14:creationId xmlns:p14="http://schemas.microsoft.com/office/powerpoint/2010/main" val="2889336405"/>
+      </p:ext>
+    </p:extLst>
+  </p:cSld>
+  <p:clrMapOvr>
+    <a:masterClrMapping/>
+  </p:clrMapOvr>
+  <mc:AlternateContent xmlns:mc="http://schemas.openxmlformats.org/markup-compatibility/2006" xmlns:p14="http://schemas.microsoft.com/office/powerpoint/2010/main">
+    <mc:Choice Requires="p14">
+      <p:transition spd="med" p14:dur="700">
+        <p:fade/>
+      </p:transition>
+    </mc:Choice>
+    <mc:Fallback xmlns="">
+      <p:transition spd="med">
+        <p:fade/>
+      </p:transition>
+    </mc:Fallback>
+  </mc:AlternateContent>
+  <p:timing>
+    <p:tnLst>
+      <p:par>
+        <p:cTn id="1" dur="indefinite" restart="never" nodeType="tmRoot">
+          <p:childTnLst>
+            <p:seq concurrent="1" nextAc="seek">
+              <p:cTn id="2" dur="indefinite" nodeType="mainSeq">
+                <p:childTnLst>
+                  <p:par>
+                    <p:cTn id="3" fill="hold">
+                      <p:stCondLst>
+                        <p:cond delay="indefinite"/>
+                      </p:stCondLst>
+                      <p:childTnLst>
+                        <p:par>
+                          <p:cTn id="4" fill="hold">
+                            <p:stCondLst>
+                              <p:cond delay="0"/>
+                            </p:stCondLst>
+                            <p:childTnLst>
+                              <p:par>
+                                <p:cTn id="5" presetID="12" presetClass="entr" presetSubtype="4" fill="hold" grpId="0" nodeType="clickEffect">
+                                  <p:stCondLst>
+                                    <p:cond delay="0"/>
+                                  </p:stCondLst>
+                                  <p:childTnLst>
+                                    <p:set>
+                                      <p:cBhvr>
+                                        <p:cTn id="6" dur="1" fill="hold">
+                                          <p:stCondLst>
+                                            <p:cond delay="0"/>
+                                          </p:stCondLst>
+                                        </p:cTn>
+                                        <p:tgtEl>
+                                          <p:spTgt spid="3">
+                                            <p:txEl>
+                                              <p:pRg st="0" end="0"/>
+                                            </p:txEl>
+                                          </p:spTgt>
+                                        </p:tgtEl>
+                                        <p:attrNameLst>
+                                          <p:attrName>style.visibility</p:attrName>
+                                        </p:attrNameLst>
+                                      </p:cBhvr>
+                                      <p:to>
+                                        <p:strVal val="visible"/>
+                                      </p:to>
+                                    </p:set>
+                                    <p:anim calcmode="lin" valueType="num">
+                                      <p:cBhvr additive="base">
+                                        <p:cTn id="7" dur="500"/>
+                                        <p:tgtEl>
+                                          <p:spTgt spid="3">
+                                            <p:txEl>
+                                              <p:pRg st="0" end="0"/>
+                                            </p:txEl>
+                                          </p:spTgt>
+                                        </p:tgtEl>
+                                        <p:attrNameLst>
+                                          <p:attrName>ppt_y</p:attrName>
+                                        </p:attrNameLst>
+                                      </p:cBhvr>
+                                      <p:tavLst>
+                                        <p:tav tm="0">
+                                          <p:val>
+                                            <p:strVal val="#ppt_y+#ppt_h*1.125000"/>
+                                          </p:val>
+                                        </p:tav>
+                                        <p:tav tm="100000">
+                                          <p:val>
+                                            <p:strVal val="#ppt_y"/>
+                                          </p:val>
+                                        </p:tav>
+                                      </p:tavLst>
+                                    </p:anim>
+                                    <p:animEffect transition="in" filter="wipe(up)">
+                                      <p:cBhvr>
+                                        <p:cTn id="8" dur="500"/>
+                                        <p:tgtEl>
+                                          <p:spTgt spid="3">
+                                            <p:txEl>
+                                              <p:pRg st="0" end="0"/>
+                                            </p:txEl>
+                                          </p:spTgt>
+                                        </p:tgtEl>
+                                      </p:cBhvr>
+                                    </p:animEffect>
+                                  </p:childTnLst>
+                                </p:cTn>
+                              </p:par>
+                            </p:childTnLst>
+                          </p:cTn>
+                        </p:par>
+                      </p:childTnLst>
+                    </p:cTn>
+                  </p:par>
+                  <p:par>
+                    <p:cTn id="9" fill="hold">
+                      <p:stCondLst>
+                        <p:cond delay="indefinite"/>
+                      </p:stCondLst>
+                      <p:childTnLst>
+                        <p:par>
+                          <p:cTn id="10" fill="hold">
+                            <p:stCondLst>
+                              <p:cond delay="0"/>
+                            </p:stCondLst>
+                            <p:childTnLst>
+                              <p:par>
+                                <p:cTn id="11" presetID="12" presetClass="entr" presetSubtype="4" fill="hold" grpId="0" nodeType="clickEffect">
+                                  <p:stCondLst>
+                                    <p:cond delay="0"/>
+                                  </p:stCondLst>
+                                  <p:childTnLst>
+                                    <p:set>
+                                      <p:cBhvr>
+                                        <p:cTn id="12" dur="1" fill="hold">
+                                          <p:stCondLst>
+                                            <p:cond delay="0"/>
+                                          </p:stCondLst>
+                                        </p:cTn>
+                                        <p:tgtEl>
+                                          <p:spTgt spid="3">
+                                            <p:txEl>
+                                              <p:pRg st="1" end="1"/>
+                                            </p:txEl>
+                                          </p:spTgt>
+                                        </p:tgtEl>
+                                        <p:attrNameLst>
+                                          <p:attrName>style.visibility</p:attrName>
+                                        </p:attrNameLst>
+                                      </p:cBhvr>
+                                      <p:to>
+                                        <p:strVal val="visible"/>
+                                      </p:to>
+                                    </p:set>
+                                    <p:anim calcmode="lin" valueType="num">
+                                      <p:cBhvr additive="base">
+                                        <p:cTn id="13" dur="500"/>
+                                        <p:tgtEl>
+                                          <p:spTgt spid="3">
+                                            <p:txEl>
+                                              <p:pRg st="1" end="1"/>
+                                            </p:txEl>
+                                          </p:spTgt>
+                                        </p:tgtEl>
+                                        <p:attrNameLst>
+                                          <p:attrName>ppt_y</p:attrName>
+                                        </p:attrNameLst>
+                                      </p:cBhvr>
+                                      <p:tavLst>
+                                        <p:tav tm="0">
+                                          <p:val>
+                                            <p:strVal val="#ppt_y+#ppt_h*1.125000"/>
+                                          </p:val>
+                                        </p:tav>
+                                        <p:tav tm="100000">
+                                          <p:val>
+                                            <p:strVal val="#ppt_y"/>
+                                          </p:val>
+                                        </p:tav>
+                                      </p:tavLst>
+                                    </p:anim>
+                                    <p:animEffect transition="in" filter="wipe(up)">
+                                      <p:cBhvr>
+                                        <p:cTn id="14" dur="500"/>
+                                        <p:tgtEl>
+                                          <p:spTgt spid="3">
+                                            <p:txEl>
+                                              <p:pRg st="1" end="1"/>
+                                            </p:txEl>
+                                          </p:spTgt>
+                                        </p:tgtEl>
+                                      </p:cBhvr>
+                                    </p:animEffect>
+                                  </p:childTnLst>
+                                </p:cTn>
+                              </p:par>
+                            </p:childTnLst>
+                          </p:cTn>
+                        </p:par>
+                      </p:childTnLst>
+                    </p:cTn>
+                  </p:par>
+                  <p:par>
+                    <p:cTn id="15" fill="hold">
+                      <p:stCondLst>
+                        <p:cond delay="indefinite"/>
+                      </p:stCondLst>
+                      <p:childTnLst>
+                        <p:par>
+                          <p:cTn id="16" fill="hold">
+                            <p:stCondLst>
+                              <p:cond delay="0"/>
+                            </p:stCondLst>
+                            <p:childTnLst>
+                              <p:par>
+                                <p:cTn id="17" presetID="12" presetClass="entr" presetSubtype="4" fill="hold" grpId="0" nodeType="clickEffect">
+                                  <p:stCondLst>
+                                    <p:cond delay="0"/>
+                                  </p:stCondLst>
+                                  <p:childTnLst>
+                                    <p:set>
+                                      <p:cBhvr>
+                                        <p:cTn id="18" dur="1" fill="hold">
+                                          <p:stCondLst>
+                                            <p:cond delay="0"/>
+                                          </p:stCondLst>
+                                        </p:cTn>
+                                        <p:tgtEl>
+                                          <p:spTgt spid="3">
+                                            <p:txEl>
+                                              <p:pRg st="2" end="2"/>
+                                            </p:txEl>
+                                          </p:spTgt>
+                                        </p:tgtEl>
+                                        <p:attrNameLst>
+                                          <p:attrName>style.visibility</p:attrName>
+                                        </p:attrNameLst>
+                                      </p:cBhvr>
+                                      <p:to>
+                                        <p:strVal val="visible"/>
+                                      </p:to>
+                                    </p:set>
+                                    <p:anim calcmode="lin" valueType="num">
+                                      <p:cBhvr additive="base">
+                                        <p:cTn id="19" dur="500"/>
+                                        <p:tgtEl>
+                                          <p:spTgt spid="3">
+                                            <p:txEl>
+                                              <p:pRg st="2" end="2"/>
+                                            </p:txEl>
+                                          </p:spTgt>
+                                        </p:tgtEl>
+                                        <p:attrNameLst>
+                                          <p:attrName>ppt_y</p:attrName>
+                                        </p:attrNameLst>
+                                      </p:cBhvr>
+                                      <p:tavLst>
+                                        <p:tav tm="0">
+                                          <p:val>
+                                            <p:strVal val="#ppt_y+#ppt_h*1.125000"/>
+                                          </p:val>
+                                        </p:tav>
+                                        <p:tav tm="100000">
+                                          <p:val>
+                                            <p:strVal val="#ppt_y"/>
+                                          </p:val>
+                                        </p:tav>
+                                      </p:tavLst>
+                                    </p:anim>
+                                    <p:animEffect transition="in" filter="wipe(up)">
+                                      <p:cBhvr>
+                                        <p:cTn id="20" dur="500"/>
+                                        <p:tgtEl>
+                                          <p:spTgt spid="3">
+                                            <p:txEl>
+                                              <p:pRg st="2" end="2"/>
+                                            </p:txEl>
+                                          </p:spTgt>
+                                        </p:tgtEl>
+                                      </p:cBhvr>
+                                    </p:animEffect>
+                                  </p:childTnLst>
+                                </p:cTn>
+                              </p:par>
+                            </p:childTnLst>
+                          </p:cTn>
+                        </p:par>
+                      </p:childTnLst>
+                    </p:cTn>
+                  </p:par>
+                  <p:par>
+                    <p:cTn id="21" fill="hold">
+                      <p:stCondLst>
+                        <p:cond delay="indefinite"/>
+                      </p:stCondLst>
+                      <p:childTnLst>
+                        <p:par>
+                          <p:cTn id="22" fill="hold">
+                            <p:stCondLst>
+                              <p:cond delay="0"/>
+                            </p:stCondLst>
+                            <p:childTnLst>
+                              <p:par>
+                                <p:cTn id="23" presetID="12" presetClass="entr" presetSubtype="4" fill="hold" grpId="0" nodeType="clickEffect">
+                                  <p:stCondLst>
+                                    <p:cond delay="0"/>
+                                  </p:stCondLst>
+                                  <p:childTnLst>
+                                    <p:set>
+                                      <p:cBhvr>
+                                        <p:cTn id="24" dur="1" fill="hold">
+                                          <p:stCondLst>
+                                            <p:cond delay="0"/>
+                                          </p:stCondLst>
+                                        </p:cTn>
+                                        <p:tgtEl>
+                                          <p:spTgt spid="3">
+                                            <p:txEl>
+                                              <p:pRg st="3" end="3"/>
+                                            </p:txEl>
+                                          </p:spTgt>
+                                        </p:tgtEl>
+                                        <p:attrNameLst>
+                                          <p:attrName>style.visibility</p:attrName>
+                                        </p:attrNameLst>
+                                      </p:cBhvr>
+                                      <p:to>
+                                        <p:strVal val="visible"/>
+                                      </p:to>
+                                    </p:set>
+                                    <p:anim calcmode="lin" valueType="num">
+                                      <p:cBhvr additive="base">
+                                        <p:cTn id="25" dur="500"/>
+                                        <p:tgtEl>
+                                          <p:spTgt spid="3">
+                                            <p:txEl>
+                                              <p:pRg st="3" end="3"/>
+                                            </p:txEl>
+                                          </p:spTgt>
+                                        </p:tgtEl>
+                                        <p:attrNameLst>
+                                          <p:attrName>ppt_y</p:attrName>
+                                        </p:attrNameLst>
+                                      </p:cBhvr>
+                                      <p:tavLst>
+                                        <p:tav tm="0">
+                                          <p:val>
+                                            <p:strVal val="#ppt_y+#ppt_h*1.125000"/>
+                                          </p:val>
+                                        </p:tav>
+                                        <p:tav tm="100000">
+                                          <p:val>
+                                            <p:strVal val="#ppt_y"/>
+                                          </p:val>
+                                        </p:tav>
+                                      </p:tavLst>
+                                    </p:anim>
+                                    <p:animEffect transition="in" filter="wipe(up)">
+                                      <p:cBhvr>
+                                        <p:cTn id="26" dur="500"/>
+                                        <p:tgtEl>
+                                          <p:spTgt spid="3">
+                                            <p:txEl>
+                                              <p:pRg st="3" end="3"/>
+                                            </p:txEl>
+                                          </p:spTgt>
+                                        </p:tgtEl>
+                                      </p:cBhvr>
+                                    </p:animEffect>
+                                  </p:childTnLst>
+                                </p:cTn>
+                              </p:par>
+                            </p:childTnLst>
+                          </p:cTn>
+                        </p:par>
+                      </p:childTnLst>
+                    </p:cTn>
+                  </p:par>
+                  <p:par>
+                    <p:cTn id="27" fill="hold">
+                      <p:stCondLst>
+                        <p:cond delay="indefinite"/>
+                      </p:stCondLst>
+                      <p:childTnLst>
+                        <p:par>
+                          <p:cTn id="28" fill="hold">
+                            <p:stCondLst>
+                              <p:cond delay="0"/>
+                            </p:stCondLst>
+                            <p:childTnLst>
+                              <p:par>
+                                <p:cTn id="29" presetID="12" presetClass="entr" presetSubtype="4" fill="hold" grpId="0" nodeType="clickEffect">
+                                  <p:stCondLst>
+                                    <p:cond delay="0"/>
+                                  </p:stCondLst>
+                                  <p:childTnLst>
+                                    <p:set>
+                                      <p:cBhvr>
+                                        <p:cTn id="30" dur="1" fill="hold">
+                                          <p:stCondLst>
+                                            <p:cond delay="0"/>
+                                          </p:stCondLst>
+                                        </p:cTn>
+                                        <p:tgtEl>
+                                          <p:spTgt spid="3">
+                                            <p:txEl>
+                                              <p:pRg st="4" end="4"/>
+                                            </p:txEl>
+                                          </p:spTgt>
+                                        </p:tgtEl>
+                                        <p:attrNameLst>
+                                          <p:attrName>style.visibility</p:attrName>
+                                        </p:attrNameLst>
+                                      </p:cBhvr>
+                                      <p:to>
+                                        <p:strVal val="visible"/>
+                                      </p:to>
+                                    </p:set>
+                                    <p:anim calcmode="lin" valueType="num">
+                                      <p:cBhvr additive="base">
+                                        <p:cTn id="31" dur="500"/>
+                                        <p:tgtEl>
+                                          <p:spTgt spid="3">
+                                            <p:txEl>
+                                              <p:pRg st="4" end="4"/>
+                                            </p:txEl>
+                                          </p:spTgt>
+                                        </p:tgtEl>
+                                        <p:attrNameLst>
+                                          <p:attrName>ppt_y</p:attrName>
+                                        </p:attrNameLst>
+                                      </p:cBhvr>
+                                      <p:tavLst>
+                                        <p:tav tm="0">
+                                          <p:val>
+                                            <p:strVal val="#ppt_y+#ppt_h*1.125000"/>
+                                          </p:val>
+                                        </p:tav>
+                                        <p:tav tm="100000">
+                                          <p:val>
+                                            <p:strVal val="#ppt_y"/>
+                                          </p:val>
+                                        </p:tav>
+                                      </p:tavLst>
+                                    </p:anim>
+                                    <p:animEffect transition="in" filter="wipe(up)">
+                                      <p:cBhvr>
+                                        <p:cTn id="32" dur="500"/>
+                                        <p:tgtEl>
+                                          <p:spTgt spid="3">
+                                            <p:txEl>
+                                              <p:pRg st="4" end="4"/>
+                                            </p:txEl>
+                                          </p:spTgt>
+                                        </p:tgtEl>
+                                      </p:cBhvr>
+                                    </p:animEffect>
+                                  </p:childTnLst>
+                                </p:cTn>
+                              </p:par>
+                            </p:childTnLst>
+                          </p:cTn>
+                        </p:par>
+                      </p:childTnLst>
+                    </p:cTn>
+                  </p:par>
+                  <p:par>
+                    <p:cTn id="33" fill="hold">
+                      <p:stCondLst>
+                        <p:cond delay="indefinite"/>
+                      </p:stCondLst>
+                      <p:childTnLst>
+                        <p:par>
+                          <p:cTn id="34" fill="hold">
+                            <p:stCondLst>
+                              <p:cond delay="0"/>
+                            </p:stCondLst>
+                            <p:childTnLst>
+                              <p:par>
+                                <p:cTn id="35" presetID="12" presetClass="entr" presetSubtype="4" fill="hold" grpId="0" nodeType="clickEffect">
+                                  <p:stCondLst>
+                                    <p:cond delay="0"/>
+                                  </p:stCondLst>
+                                  <p:childTnLst>
+                                    <p:set>
+                                      <p:cBhvr>
+                                        <p:cTn id="36" dur="1" fill="hold">
+                                          <p:stCondLst>
+                                            <p:cond delay="0"/>
+                                          </p:stCondLst>
+                                        </p:cTn>
+                                        <p:tgtEl>
+                                          <p:spTgt spid="3">
+                                            <p:txEl>
+                                              <p:pRg st="5" end="5"/>
+                                            </p:txEl>
+                                          </p:spTgt>
+                                        </p:tgtEl>
+                                        <p:attrNameLst>
+                                          <p:attrName>style.visibility</p:attrName>
+                                        </p:attrNameLst>
+                                      </p:cBhvr>
+                                      <p:to>
+                                        <p:strVal val="visible"/>
+                                      </p:to>
+                                    </p:set>
+                                    <p:anim calcmode="lin" valueType="num">
+                                      <p:cBhvr additive="base">
+                                        <p:cTn id="37" dur="500"/>
+                                        <p:tgtEl>
+                                          <p:spTgt spid="3">
+                                            <p:txEl>
+                                              <p:pRg st="5" end="5"/>
+                                            </p:txEl>
+                                          </p:spTgt>
+                                        </p:tgtEl>
+                                        <p:attrNameLst>
+                                          <p:attrName>ppt_y</p:attrName>
+                                        </p:attrNameLst>
+                                      </p:cBhvr>
+                                      <p:tavLst>
+                                        <p:tav tm="0">
+                                          <p:val>
+                                            <p:strVal val="#ppt_y+#ppt_h*1.125000"/>
+                                          </p:val>
+                                        </p:tav>
+                                        <p:tav tm="100000">
+                                          <p:val>
+                                            <p:strVal val="#ppt_y"/>
+                                          </p:val>
+                                        </p:tav>
+                                      </p:tavLst>
+                                    </p:anim>
+                                    <p:animEffect transition="in" filter="wipe(up)">
+                                      <p:cBhvr>
+                                        <p:cTn id="38" dur="500"/>
+                                        <p:tgtEl>
+                                          <p:spTgt spid="3">
+                                            <p:txEl>
+                                              <p:pRg st="5" end="5"/>
+                                            </p:txEl>
+                                          </p:spTgt>
+                                        </p:tgtEl>
+                                      </p:cBhvr>
+                                    </p:animEffect>
+                                  </p:childTnLst>
+                                </p:cTn>
+                              </p:par>
+                            </p:childTnLst>
+                          </p:cTn>
+                        </p:par>
+                      </p:childTnLst>
+                    </p:cTn>
+                  </p:par>
+                </p:childTnLst>
+              </p:cTn>
+              <p:prevCondLst>
+                <p:cond evt="onPrev" delay="0">
+                  <p:tgtEl>
+                    <p:sldTgt/>
+                  </p:tgtEl>
+                </p:cond>
+              </p:prevCondLst>
+              <p:nextCondLst>
+                <p:cond evt="onNext" delay="0">
+                  <p:tgtEl>
+                    <p:sldTgt/>
+                  </p:tgtEl>
+                </p:cond>
+              </p:nextCondLst>
+            </p:seq>
+          </p:childTnLst>
+        </p:cTn>
+      </p:par>
+    </p:tnLst>
+    <p:bldLst>
+      <p:bldP spid="3" grpId="0" build="p"/>
+    </p:bldLst>
+  </p:timing>
+</p:sld>
+</file>
+
+<file path=ppt/slides/slide2.xml><?xml version="1.0" encoding="utf-8"?>
+<p:sld xmlns:a="http://schemas.openxmlformats.org/drawingml/2006/main" xmlns:r="http://schemas.openxmlformats.org/officeDocument/2006/relationships" xmlns:p="http://schemas.openxmlformats.org/presentationml/2006/main">
+  <p:cSld>
+    <p:spTree>
+      <p:nvGrpSpPr>
+        <p:cNvPr id="1" name=""/>
+        <p:cNvGrpSpPr/>
+        <p:nvPr/>
+      </p:nvGrpSpPr>
+      <p:grpSpPr>
+        <a:xfrm>
+          <a:off x="0" y="0"/>
+          <a:ext cx="0" cy="0"/>
+          <a:chOff x="0" y="0"/>
+          <a:chExt cx="0" cy="0"/>
+        </a:xfrm>
+      </p:grpSpPr>
+      <p:sp>
+        <p:nvSpPr>
+          <p:cNvPr id="2" name="Title 1"/>
+          <p:cNvSpPr>
+            <a:spLocks noGrp="1"/>
+          </p:cNvSpPr>
+          <p:nvPr>
+            <p:ph type="title"/>
+          </p:nvPr>
+        </p:nvSpPr>
+        <p:spPr/>
+        <p:txBody>
+          <a:bodyPr/>
+          <a:lstStyle/>
+          <a:p>
+            <a:r>
+              <a:rPr lang="en-US" dirty="0"/>
+              <a:t>Docker Images</a:t>
+            </a:r>
+          </a:p>
+        </p:txBody>
+      </p:sp>
+      <p:sp>
+        <p:nvSpPr>
+          <p:cNvPr id="3" name="Text Placeholder 2"/>
+          <p:cNvSpPr>
+            <a:spLocks noGrp="1"/>
+          </p:cNvSpPr>
+          <p:nvPr>
+            <p:ph type="body" sz="quarter" idx="10"/>
+          </p:nvPr>
+        </p:nvSpPr>
+        <p:spPr>
+          <a:xfrm>
+            <a:off x="228600" y="685800"/>
+            <a:ext cx="8686800" cy="5867400"/>
+          </a:xfrm>
+        </p:spPr>
+        <p:txBody>
+          <a:bodyPr>
+            <a:noAutofit/>
+          </a:bodyPr>
+          <a:lstStyle/>
+          <a:p>
+            <a:r>
+              <a:rPr lang="en-US" sz="2000" dirty="0"/>
+              <a:t>Docker images are the basis of containers</a:t>
+            </a:r>
+          </a:p>
+          <a:p>
+            <a:r>
+              <a:rPr lang="en-US" sz="2000" dirty="0"/>
+              <a:t>To see the list of images that are available locally, use the  command.</a:t>
+            </a:r>
+            <a:br>
+              <a:rPr lang="en-US" sz="2000" dirty="0"/>
+            </a:br>
+            <a:r>
+              <a:rPr lang="en-US" sz="2000" dirty="0"/>
+              <a:t>docker images </a:t>
+            </a:r>
+          </a:p>
+          <a:p>
+            <a:r>
+              <a:rPr lang="en-US" sz="2000" dirty="0"/>
+              <a:t>Docker can build images automatically by reading the instructions from a </a:t>
+            </a:r>
+            <a:r>
+              <a:rPr lang="en-US" sz="2000" dirty="0" err="1"/>
+              <a:t>Dockerfile</a:t>
+            </a:r>
+            <a:r>
+              <a:rPr lang="en-US" sz="2000" dirty="0"/>
+              <a:t>. </a:t>
+            </a:r>
+          </a:p>
+          <a:p>
+            <a:r>
+              <a:rPr lang="en-US" sz="2000" dirty="0"/>
+              <a:t>The above gives a list of images that we pulled from the registry, </a:t>
+            </a:r>
+          </a:p>
+          <a:p>
+            <a:r>
+              <a:rPr lang="en-US" sz="2000" dirty="0"/>
+              <a:t>The TAG refers to a particular snapshot of the image and the IMAGE ID is the corresponding unique identifier for that image.</a:t>
+            </a:r>
+          </a:p>
+          <a:p>
+            <a:r>
+              <a:rPr lang="en-US" sz="2000" dirty="0"/>
+              <a:t>For simplicity, you can think of an image akin to a git repository - images can be committed with changes and have multiple versions. </a:t>
+            </a:r>
+          </a:p>
+          <a:p>
+            <a:r>
+              <a:rPr lang="en-US" sz="2000" dirty="0"/>
+              <a:t>If you don't provide a specific version number, the client defaults to latest. For example, you can pull a specific version of ubuntu image</a:t>
+            </a:r>
+            <a:br>
+              <a:rPr lang="en-US" sz="2000" dirty="0"/>
+            </a:br>
+            <a:r>
+              <a:rPr lang="en-IN" dirty="0"/>
+              <a:t>docker pull ubuntu:18.04</a:t>
+            </a:r>
+            <a:endParaRPr lang="en-US" sz="2000" dirty="0"/>
+          </a:p>
+          <a:p>
+            <a:endParaRPr lang="en-US" sz="2000" dirty="0"/>
+          </a:p>
+          <a:p>
+            <a:pPr marL="0" indent="0">
+              <a:buNone/>
+            </a:pPr>
+            <a:br>
+              <a:rPr lang="en-US" sz="2000" dirty="0"/>
+            </a:br>
+            <a:endParaRPr lang="en-US" sz="2000" dirty="0"/>
+          </a:p>
+        </p:txBody>
+      </p:sp>
+    </p:spTree>
+    <p:extLst>
+      <p:ext uri="{BB962C8B-B14F-4D97-AF65-F5344CB8AC3E}">
+        <p14:creationId xmlns:p14="http://schemas.microsoft.com/office/powerpoint/2010/main" val="2074270167"/>
+      </p:ext>
+    </p:extLst>
+  </p:cSld>
+  <p:clrMapOvr>
+    <a:masterClrMapping/>
+  </p:clrMapOvr>
+  <mc:AlternateContent xmlns:mc="http://schemas.openxmlformats.org/markup-compatibility/2006" xmlns:p14="http://schemas.microsoft.com/office/powerpoint/2010/main">
+    <mc:Choice Requires="p14">
+      <p:transition spd="med" p14:dur="700">
+        <p:fade/>
+      </p:transition>
+    </mc:Choice>
+    <mc:Fallback xmlns="">
+      <p:transition spd="med">
+        <p:fade/>
+      </p:transition>
+    </mc:Fallback>
+  </mc:AlternateContent>
+  <p:timing>
+    <p:tnLst>
+      <p:par>
+        <p:cTn id="1" dur="indefinite" restart="never" nodeType="tmRoot">
+          <p:childTnLst>
+            <p:seq concurrent="1" nextAc="seek">
+              <p:cTn id="2" dur="indefinite" nodeType="mainSeq">
+                <p:childTnLst>
+                  <p:par>
+                    <p:cTn id="3" fill="hold">
+                      <p:stCondLst>
+                        <p:cond delay="indefinite"/>
+                      </p:stCondLst>
+                      <p:childTnLst>
+                        <p:par>
+                          <p:cTn id="4" fill="hold">
+                            <p:stCondLst>
+                              <p:cond delay="0"/>
+                            </p:stCondLst>
+                            <p:childTnLst>
+                              <p:par>
+                                <p:cTn id="5" presetID="12" presetClass="entr" presetSubtype="4" fill="hold" grpId="0" nodeType="clickEffect">
+                                  <p:stCondLst>
+                                    <p:cond delay="0"/>
+                                  </p:stCondLst>
+                                  <p:childTnLst>
+                                    <p:set>
+                                      <p:cBhvr>
+                                        <p:cTn id="6" dur="1" fill="hold">
+                                          <p:stCondLst>
+                                            <p:cond delay="0"/>
+                                          </p:stCondLst>
+                                        </p:cTn>
+                                        <p:tgtEl>
+                                          <p:spTgt spid="3">
+                                            <p:txEl>
+                                              <p:pRg st="0" end="0"/>
+                                            </p:txEl>
+                                          </p:spTgt>
+                                        </p:tgtEl>
+                                        <p:attrNameLst>
+                                          <p:attrName>style.visibility</p:attrName>
+                                        </p:attrNameLst>
+                                      </p:cBhvr>
+                                      <p:to>
+                                        <p:strVal val="visible"/>
+                                      </p:to>
+                                    </p:set>
+                                    <p:anim calcmode="lin" valueType="num">
+                                      <p:cBhvr additive="base">
+                                        <p:cTn id="7" dur="500"/>
+                                        <p:tgtEl>
+                                          <p:spTgt spid="3">
+                                            <p:txEl>
+                                              <p:pRg st="0" end="0"/>
+                                            </p:txEl>
+                                          </p:spTgt>
+                                        </p:tgtEl>
+                                        <p:attrNameLst>
+                                          <p:attrName>ppt_y</p:attrName>
+                                        </p:attrNameLst>
+                                      </p:cBhvr>
+                                      <p:tavLst>
+                                        <p:tav tm="0">
+                                          <p:val>
+                                            <p:strVal val="#ppt_y+#ppt_h*1.125000"/>
+                                          </p:val>
+                                        </p:tav>
+                                        <p:tav tm="100000">
+                                          <p:val>
+                                            <p:strVal val="#ppt_y"/>
+                                          </p:val>
+                                        </p:tav>
+                                      </p:tavLst>
+                                    </p:anim>
+                                    <p:animEffect transition="in" filter="wipe(up)">
+                                      <p:cBhvr>
+                                        <p:cTn id="8" dur="500"/>
+                                        <p:tgtEl>
+                                          <p:spTgt spid="3">
+                                            <p:txEl>
+                                              <p:pRg st="0" end="0"/>
+                                            </p:txEl>
+                                          </p:spTgt>
+                                        </p:tgtEl>
+                                      </p:cBhvr>
+                                    </p:animEffect>
+                                  </p:childTnLst>
+                                </p:cTn>
+                              </p:par>
+                            </p:childTnLst>
+                          </p:cTn>
+                        </p:par>
+                      </p:childTnLst>
+                    </p:cTn>
+                  </p:par>
+                  <p:par>
+                    <p:cTn id="9" fill="hold">
+                      <p:stCondLst>
+                        <p:cond delay="indefinite"/>
+                      </p:stCondLst>
+                      <p:childTnLst>
+                        <p:par>
+                          <p:cTn id="10" fill="hold">
+                            <p:stCondLst>
+                              <p:cond delay="0"/>
+                            </p:stCondLst>
+                            <p:childTnLst>
+                              <p:par>
+                                <p:cTn id="11" presetID="12" presetClass="entr" presetSubtype="4" fill="hold" grpId="0" nodeType="clickEffect">
+                                  <p:stCondLst>
+                                    <p:cond delay="0"/>
+                                  </p:stCondLst>
+                                  <p:childTnLst>
+                                    <p:set>
+                                      <p:cBhvr>
+                                        <p:cTn id="12" dur="1" fill="hold">
+                                          <p:stCondLst>
+                                            <p:cond delay="0"/>
+                                          </p:stCondLst>
+                                        </p:cTn>
+                                        <p:tgtEl>
+                                          <p:spTgt spid="3">
+                                            <p:txEl>
+                                              <p:pRg st="1" end="1"/>
+                                            </p:txEl>
+                                          </p:spTgt>
+                                        </p:tgtEl>
+                                        <p:attrNameLst>
+                                          <p:attrName>style.visibility</p:attrName>
+                                        </p:attrNameLst>
+                                      </p:cBhvr>
+                                      <p:to>
+                                        <p:strVal val="visible"/>
+                                      </p:to>
+                                    </p:set>
+                                    <p:anim calcmode="lin" valueType="num">
+                                      <p:cBhvr additive="base">
+                                        <p:cTn id="13" dur="500"/>
+                                        <p:tgtEl>
+                                          <p:spTgt spid="3">
+                                            <p:txEl>
+                                              <p:pRg st="1" end="1"/>
+                                            </p:txEl>
+                                          </p:spTgt>
+                                        </p:tgtEl>
+                                        <p:attrNameLst>
+                                          <p:attrName>ppt_y</p:attrName>
+                                        </p:attrNameLst>
+                                      </p:cBhvr>
+                                      <p:tavLst>
+                                        <p:tav tm="0">
+                                          <p:val>
+                                            <p:strVal val="#ppt_y+#ppt_h*1.125000"/>
+                                          </p:val>
+                                        </p:tav>
+                                        <p:tav tm="100000">
+                                          <p:val>
+                                            <p:strVal val="#ppt_y"/>
+                                          </p:val>
+                                        </p:tav>
+                                      </p:tavLst>
+                                    </p:anim>
+                                    <p:animEffect transition="in" filter="wipe(up)">
+                                      <p:cBhvr>
+                                        <p:cTn id="14" dur="500"/>
+                                        <p:tgtEl>
+                                          <p:spTgt spid="3">
+                                            <p:txEl>
+                                              <p:pRg st="1" end="1"/>
+                                            </p:txEl>
+                                          </p:spTgt>
+                                        </p:tgtEl>
+                                      </p:cBhvr>
+                                    </p:animEffect>
+                                  </p:childTnLst>
+                                </p:cTn>
+                              </p:par>
+                            </p:childTnLst>
+                          </p:cTn>
+                        </p:par>
+                      </p:childTnLst>
+                    </p:cTn>
+                  </p:par>
+                  <p:par>
+                    <p:cTn id="15" fill="hold">
+                      <p:stCondLst>
+                        <p:cond delay="indefinite"/>
+                      </p:stCondLst>
+                      <p:childTnLst>
+                        <p:par>
+                          <p:cTn id="16" fill="hold">
+                            <p:stCondLst>
+                              <p:cond delay="0"/>
+                            </p:stCondLst>
+                            <p:childTnLst>
+                              <p:par>
+                                <p:cTn id="17" presetID="12" presetClass="entr" presetSubtype="4" fill="hold" grpId="0" nodeType="clickEffect">
+                                  <p:stCondLst>
+                                    <p:cond delay="0"/>
+                                  </p:stCondLst>
+                                  <p:childTnLst>
+                                    <p:set>
+                                      <p:cBhvr>
+                                        <p:cTn id="18" dur="1" fill="hold">
+                                          <p:stCondLst>
+                                            <p:cond delay="0"/>
+                                          </p:stCondLst>
+                                        </p:cTn>
+                                        <p:tgtEl>
+                                          <p:spTgt spid="3">
+                                            <p:txEl>
+                                              <p:pRg st="2" end="2"/>
+                                            </p:txEl>
+                                          </p:spTgt>
+                                        </p:tgtEl>
+                                        <p:attrNameLst>
+                                          <p:attrName>style.visibility</p:attrName>
+                                        </p:attrNameLst>
+                                      </p:cBhvr>
+                                      <p:to>
+                                        <p:strVal val="visible"/>
+                                      </p:to>
+                                    </p:set>
+                                    <p:anim calcmode="lin" valueType="num">
+                                      <p:cBhvr additive="base">
+                                        <p:cTn id="19" dur="500"/>
+                                        <p:tgtEl>
+                                          <p:spTgt spid="3">
+                                            <p:txEl>
+                                              <p:pRg st="2" end="2"/>
+                                            </p:txEl>
+                                          </p:spTgt>
+                                        </p:tgtEl>
+                                        <p:attrNameLst>
+                                          <p:attrName>ppt_y</p:attrName>
+                                        </p:attrNameLst>
+                                      </p:cBhvr>
+                                      <p:tavLst>
+                                        <p:tav tm="0">
+                                          <p:val>
+                                            <p:strVal val="#ppt_y+#ppt_h*1.125000"/>
+                                          </p:val>
+                                        </p:tav>
+                                        <p:tav tm="100000">
+                                          <p:val>
+                                            <p:strVal val="#ppt_y"/>
+                                          </p:val>
+                                        </p:tav>
+                                      </p:tavLst>
+                                    </p:anim>
+                                    <p:animEffect transition="in" filter="wipe(up)">
+                                      <p:cBhvr>
+                                        <p:cTn id="20" dur="500"/>
+                                        <p:tgtEl>
+                                          <p:spTgt spid="3">
+                                            <p:txEl>
+                                              <p:pRg st="2" end="2"/>
+                                            </p:txEl>
+                                          </p:spTgt>
+                                        </p:tgtEl>
+                                      </p:cBhvr>
+                                    </p:animEffect>
+                                  </p:childTnLst>
+                                </p:cTn>
+                              </p:par>
+                            </p:childTnLst>
+                          </p:cTn>
+                        </p:par>
+                      </p:childTnLst>
+                    </p:cTn>
+                  </p:par>
+                  <p:par>
+                    <p:cTn id="21" fill="hold">
+                      <p:stCondLst>
+                        <p:cond delay="indefinite"/>
+                      </p:stCondLst>
+                      <p:childTnLst>
+                        <p:par>
+                          <p:cTn id="22" fill="hold">
+                            <p:stCondLst>
+                              <p:cond delay="0"/>
+                            </p:stCondLst>
+                            <p:childTnLst>
+                              <p:par>
+                                <p:cTn id="23" presetID="12" presetClass="entr" presetSubtype="4" fill="hold" grpId="0" nodeType="clickEffect">
+                                  <p:stCondLst>
+                                    <p:cond delay="0"/>
+                                  </p:stCondLst>
+                                  <p:childTnLst>
+                                    <p:set>
+                                      <p:cBhvr>
+                                        <p:cTn id="24" dur="1" fill="hold">
+                                          <p:stCondLst>
+                                            <p:cond delay="0"/>
+                                          </p:stCondLst>
+                                        </p:cTn>
+                                        <p:tgtEl>
+                                          <p:spTgt spid="3">
+                                            <p:txEl>
+                                              <p:pRg st="3" end="3"/>
+                                            </p:txEl>
+                                          </p:spTgt>
+                                        </p:tgtEl>
+                                        <p:attrNameLst>
+                                          <p:attrName>style.visibility</p:attrName>
+                                        </p:attrNameLst>
+                                      </p:cBhvr>
+                                      <p:to>
+                                        <p:strVal val="visible"/>
+                                      </p:to>
+                                    </p:set>
+                                    <p:anim calcmode="lin" valueType="num">
+                                      <p:cBhvr additive="base">
+                                        <p:cTn id="25" dur="500"/>
+                                        <p:tgtEl>
+                                          <p:spTgt spid="3">
+                                            <p:txEl>
+                                              <p:pRg st="3" end="3"/>
+                                            </p:txEl>
+                                          </p:spTgt>
+                                        </p:tgtEl>
+                                        <p:attrNameLst>
+                                          <p:attrName>ppt_y</p:attrName>
+                                        </p:attrNameLst>
+                                      </p:cBhvr>
+                                      <p:tavLst>
+                                        <p:tav tm="0">
+                                          <p:val>
+                                            <p:strVal val="#ppt_y+#ppt_h*1.125000"/>
+                                          </p:val>
+                                        </p:tav>
+                                        <p:tav tm="100000">
+                                          <p:val>
+                                            <p:strVal val="#ppt_y"/>
+                                          </p:val>
+                                        </p:tav>
+                                      </p:tavLst>
+                                    </p:anim>
+                                    <p:animEffect transition="in" filter="wipe(up)">
+                                      <p:cBhvr>
+                                        <p:cTn id="26" dur="500"/>
+                                        <p:tgtEl>
+                                          <p:spTgt spid="3">
+                                            <p:txEl>
+                                              <p:pRg st="3" end="3"/>
+                                            </p:txEl>
+                                          </p:spTgt>
+                                        </p:tgtEl>
+                                      </p:cBhvr>
+                                    </p:animEffect>
+                                  </p:childTnLst>
+                                </p:cTn>
+                              </p:par>
+                            </p:childTnLst>
+                          </p:cTn>
+                        </p:par>
+                      </p:childTnLst>
+                    </p:cTn>
+                  </p:par>
+                  <p:par>
+                    <p:cTn id="27" fill="hold">
+                      <p:stCondLst>
+                        <p:cond delay="indefinite"/>
+                      </p:stCondLst>
+                      <p:childTnLst>
+                        <p:par>
+                          <p:cTn id="28" fill="hold">
+                            <p:stCondLst>
+                              <p:cond delay="0"/>
+                            </p:stCondLst>
+                            <p:childTnLst>
+                              <p:par>
+                                <p:cTn id="29" presetID="12" presetClass="entr" presetSubtype="4" fill="hold" grpId="0" nodeType="clickEffect">
+                                  <p:stCondLst>
+                                    <p:cond delay="0"/>
+                                  </p:stCondLst>
+                                  <p:childTnLst>
+                                    <p:set>
+                                      <p:cBhvr>
+                                        <p:cTn id="30" dur="1" fill="hold">
+                                          <p:stCondLst>
+                                            <p:cond delay="0"/>
+                                          </p:stCondLst>
+                                        </p:cTn>
+                                        <p:tgtEl>
+                                          <p:spTgt spid="3">
+                                            <p:txEl>
+                                              <p:pRg st="4" end="4"/>
+                                            </p:txEl>
+                                          </p:spTgt>
+                                        </p:tgtEl>
+                                        <p:attrNameLst>
+                                          <p:attrName>style.visibility</p:attrName>
+                                        </p:attrNameLst>
+                                      </p:cBhvr>
+                                      <p:to>
+                                        <p:strVal val="visible"/>
+                                      </p:to>
+                                    </p:set>
+                                    <p:anim calcmode="lin" valueType="num">
+                                      <p:cBhvr additive="base">
+                                        <p:cTn id="31" dur="500"/>
+                                        <p:tgtEl>
+                                          <p:spTgt spid="3">
+                                            <p:txEl>
+                                              <p:pRg st="4" end="4"/>
+                                            </p:txEl>
+                                          </p:spTgt>
+                                        </p:tgtEl>
+                                        <p:attrNameLst>
+                                          <p:attrName>ppt_y</p:attrName>
+                                        </p:attrNameLst>
+                                      </p:cBhvr>
+                                      <p:tavLst>
+                                        <p:tav tm="0">
+                                          <p:val>
+                                            <p:strVal val="#ppt_y+#ppt_h*1.125000"/>
+                                          </p:val>
+                                        </p:tav>
+                                        <p:tav tm="100000">
+                                          <p:val>
+                                            <p:strVal val="#ppt_y"/>
+                                          </p:val>
+                                        </p:tav>
+                                      </p:tavLst>
+                                    </p:anim>
+                                    <p:animEffect transition="in" filter="wipe(up)">
+                                      <p:cBhvr>
+                                        <p:cTn id="32" dur="500"/>
+                                        <p:tgtEl>
+                                          <p:spTgt spid="3">
+                                            <p:txEl>
+                                              <p:pRg st="4" end="4"/>
+                                            </p:txEl>
+                                          </p:spTgt>
+                                        </p:tgtEl>
+                                      </p:cBhvr>
+                                    </p:animEffect>
+                                  </p:childTnLst>
+                                </p:cTn>
+                              </p:par>
+                            </p:childTnLst>
+                          </p:cTn>
+                        </p:par>
+                      </p:childTnLst>
+                    </p:cTn>
+                  </p:par>
+                  <p:par>
+                    <p:cTn id="33" fill="hold">
+                      <p:stCondLst>
+                        <p:cond delay="indefinite"/>
+                      </p:stCondLst>
+                      <p:childTnLst>
+                        <p:par>
+                          <p:cTn id="34" fill="hold">
+                            <p:stCondLst>
+                              <p:cond delay="0"/>
+                            </p:stCondLst>
+                            <p:childTnLst>
+                              <p:par>
+                                <p:cTn id="35" presetID="12" presetClass="entr" presetSubtype="4" fill="hold" grpId="0" nodeType="clickEffect">
+                                  <p:stCondLst>
+                                    <p:cond delay="0"/>
+                                  </p:stCondLst>
+                                  <p:childTnLst>
+                                    <p:set>
+                                      <p:cBhvr>
+                                        <p:cTn id="36" dur="1" fill="hold">
+                                          <p:stCondLst>
+                                            <p:cond delay="0"/>
+                                          </p:stCondLst>
+                                        </p:cTn>
+                                        <p:tgtEl>
+                                          <p:spTgt spid="3">
+                                            <p:txEl>
+                                              <p:pRg st="5" end="5"/>
+                                            </p:txEl>
+                                          </p:spTgt>
+                                        </p:tgtEl>
+                                        <p:attrNameLst>
+                                          <p:attrName>style.visibility</p:attrName>
+                                        </p:attrNameLst>
+                                      </p:cBhvr>
+                                      <p:to>
+                                        <p:strVal val="visible"/>
+                                      </p:to>
+                                    </p:set>
+                                    <p:anim calcmode="lin" valueType="num">
+                                      <p:cBhvr additive="base">
+                                        <p:cTn id="37" dur="500"/>
+                                        <p:tgtEl>
+                                          <p:spTgt spid="3">
+                                            <p:txEl>
+                                              <p:pRg st="5" end="5"/>
+                                            </p:txEl>
+                                          </p:spTgt>
+                                        </p:tgtEl>
+                                        <p:attrNameLst>
+                                          <p:attrName>ppt_y</p:attrName>
+                                        </p:attrNameLst>
+                                      </p:cBhvr>
+                                      <p:tavLst>
+                                        <p:tav tm="0">
+                                          <p:val>
+                                            <p:strVal val="#ppt_y+#ppt_h*1.125000"/>
+                                          </p:val>
+                                        </p:tav>
+                                        <p:tav tm="100000">
+                                          <p:val>
+                                            <p:strVal val="#ppt_y"/>
+                                          </p:val>
+                                        </p:tav>
+                                      </p:tavLst>
+                                    </p:anim>
+                                    <p:animEffect transition="in" filter="wipe(up)">
+                                      <p:cBhvr>
+                                        <p:cTn id="38" dur="500"/>
+                                        <p:tgtEl>
+                                          <p:spTgt spid="3">
+                                            <p:txEl>
+                                              <p:pRg st="5" end="5"/>
+                                            </p:txEl>
+                                          </p:spTgt>
+                                        </p:tgtEl>
+                                      </p:cBhvr>
+                                    </p:animEffect>
+                                  </p:childTnLst>
+                                </p:cTn>
+                              </p:par>
+                            </p:childTnLst>
+                          </p:cTn>
+                        </p:par>
+                      </p:childTnLst>
+                    </p:cTn>
+                  </p:par>
+                  <p:par>
+                    <p:cTn id="39" fill="hold">
+                      <p:stCondLst>
+                        <p:cond delay="indefinite"/>
+                      </p:stCondLst>
+                      <p:childTnLst>
+                        <p:par>
+                          <p:cTn id="40" fill="hold">
+                            <p:stCondLst>
+                              <p:cond delay="0"/>
+                            </p:stCondLst>
+                            <p:childTnLst>
+                              <p:par>
+                                <p:cTn id="41" presetID="12" presetClass="entr" presetSubtype="4" fill="hold" grpId="0" nodeType="clickEffect">
+                                  <p:stCondLst>
+                                    <p:cond delay="0"/>
+                                  </p:stCondLst>
+                                  <p:childTnLst>
+                                    <p:set>
+                                      <p:cBhvr>
+                                        <p:cTn id="42" dur="1" fill="hold">
+                                          <p:stCondLst>
+                                            <p:cond delay="0"/>
+                                          </p:stCondLst>
+                                        </p:cTn>
+                                        <p:tgtEl>
+                                          <p:spTgt spid="3">
+                                            <p:txEl>
+                                              <p:pRg st="6" end="6"/>
+                                            </p:txEl>
+                                          </p:spTgt>
+                                        </p:tgtEl>
+                                        <p:attrNameLst>
+                                          <p:attrName>style.visibility</p:attrName>
+                                        </p:attrNameLst>
+                                      </p:cBhvr>
+                                      <p:to>
+                                        <p:strVal val="visible"/>
+                                      </p:to>
+                                    </p:set>
+                                    <p:anim calcmode="lin" valueType="num">
+                                      <p:cBhvr additive="base">
+                                        <p:cTn id="43" dur="500"/>
+                                        <p:tgtEl>
+                                          <p:spTgt spid="3">
+                                            <p:txEl>
+                                              <p:pRg st="6" end="6"/>
+                                            </p:txEl>
+                                          </p:spTgt>
+                                        </p:tgtEl>
+                                        <p:attrNameLst>
+                                          <p:attrName>ppt_y</p:attrName>
+                                        </p:attrNameLst>
+                                      </p:cBhvr>
+                                      <p:tavLst>
+                                        <p:tav tm="0">
+                                          <p:val>
+                                            <p:strVal val="#ppt_y+#ppt_h*1.125000"/>
+                                          </p:val>
+                                        </p:tav>
+                                        <p:tav tm="100000">
+                                          <p:val>
+                                            <p:strVal val="#ppt_y"/>
+                                          </p:val>
+                                        </p:tav>
+                                      </p:tavLst>
+                                    </p:anim>
+                                    <p:animEffect transition="in" filter="wipe(up)">
+                                      <p:cBhvr>
+                                        <p:cTn id="44" dur="500"/>
+                                        <p:tgtEl>
+                                          <p:spTgt spid="3">
+                                            <p:txEl>
+                                              <p:pRg st="6" end="6"/>
+                                            </p:txEl>
+                                          </p:spTgt>
+                                        </p:tgtEl>
+                                      </p:cBhvr>
+                                    </p:animEffect>
+                                  </p:childTnLst>
+                                </p:cTn>
+                              </p:par>
+                            </p:childTnLst>
+                          </p:cTn>
+                        </p:par>
+                      </p:childTnLst>
+                    </p:cTn>
+                  </p:par>
+                  <p:par>
+                    <p:cTn id="45" fill="hold">
+                      <p:stCondLst>
+                        <p:cond delay="indefinite"/>
+                      </p:stCondLst>
+                      <p:childTnLst>
+                        <p:par>
+                          <p:cTn id="46" fill="hold">
+                            <p:stCondLst>
+                              <p:cond delay="0"/>
+                            </p:stCondLst>
+                            <p:childTnLst>
+                              <p:par>
+                                <p:cTn id="47" presetID="12" presetClass="entr" presetSubtype="4" fill="hold" grpId="0" nodeType="clickEffect">
+                                  <p:stCondLst>
+                                    <p:cond delay="0"/>
+                                  </p:stCondLst>
+                                  <p:childTnLst>
+                                    <p:set>
+                                      <p:cBhvr>
+                                        <p:cTn id="48" dur="1" fill="hold">
+                                          <p:stCondLst>
+                                            <p:cond delay="0"/>
+                                          </p:stCondLst>
+                                        </p:cTn>
+                                        <p:tgtEl>
+                                          <p:spTgt spid="3">
+                                            <p:txEl>
+                                              <p:pRg st="8" end="8"/>
+                                            </p:txEl>
+                                          </p:spTgt>
+                                        </p:tgtEl>
+                                        <p:attrNameLst>
+                                          <p:attrName>style.visibility</p:attrName>
+                                        </p:attrNameLst>
+                                      </p:cBhvr>
+                                      <p:to>
+                                        <p:strVal val="visible"/>
+                                      </p:to>
+                                    </p:set>
+                                    <p:anim calcmode="lin" valueType="num">
+                                      <p:cBhvr additive="base">
+                                        <p:cTn id="49" dur="500"/>
+                                        <p:tgtEl>
+                                          <p:spTgt spid="3">
+                                            <p:txEl>
+                                              <p:pRg st="8" end="8"/>
+                                            </p:txEl>
+                                          </p:spTgt>
+                                        </p:tgtEl>
+                                        <p:attrNameLst>
+                                          <p:attrName>ppt_y</p:attrName>
+                                        </p:attrNameLst>
+                                      </p:cBhvr>
+                                      <p:tavLst>
+                                        <p:tav tm="0">
+                                          <p:val>
+                                            <p:strVal val="#ppt_y+#ppt_h*1.125000"/>
+                                          </p:val>
+                                        </p:tav>
+                                        <p:tav tm="100000">
+                                          <p:val>
+                                            <p:strVal val="#ppt_y"/>
+                                          </p:val>
+                                        </p:tav>
+                                      </p:tavLst>
+                                    </p:anim>
+                                    <p:animEffect transition="in" filter="wipe(up)">
+                                      <p:cBhvr>
+                                        <p:cTn id="50" dur="500"/>
+                                        <p:tgtEl>
+                                          <p:spTgt spid="3">
+                                            <p:txEl>
+                                              <p:pRg st="8" end="8"/>
+                                            </p:txEl>
+                                          </p:spTgt>
+                                        </p:tgtEl>
+                                      </p:cBhvr>
+                                    </p:animEffect>
+                                  </p:childTnLst>
+                                </p:cTn>
+                              </p:par>
+                            </p:childTnLst>
+                          </p:cTn>
+                        </p:par>
+                      </p:childTnLst>
+                    </p:cTn>
+                  </p:par>
+                </p:childTnLst>
+              </p:cTn>
+              <p:prevCondLst>
+                <p:cond evt="onPrev" delay="0">
+                  <p:tgtEl>
+                    <p:sldTgt/>
+                  </p:tgtEl>
+                </p:cond>
+              </p:prevCondLst>
+              <p:nextCondLst>
+                <p:cond evt="onNext" delay="0">
+                  <p:tgtEl>
+                    <p:sldTgt/>
+                  </p:tgtEl>
+                </p:cond>
+              </p:nextCondLst>
+            </p:seq>
+          </p:childTnLst>
+        </p:cTn>
+      </p:par>
+    </p:tnLst>
+    <p:bldLst>
+      <p:bldP spid="3" grpId="0" build="p"/>
+    </p:bldLst>
+  </p:timing>
+</p:sld>
+</file>
+
+<file path=ppt/slides/slide20.xml><?xml version="1.0" encoding="utf-8"?>
+<p:sld xmlns:a="http://schemas.openxmlformats.org/drawingml/2006/main" xmlns:r="http://schemas.openxmlformats.org/officeDocument/2006/relationships" xmlns:p="http://schemas.openxmlformats.org/presentationml/2006/main">
+  <p:cSld>
+    <p:spTree>
+      <p:nvGrpSpPr>
+        <p:cNvPr id="1" name=""/>
+        <p:cNvGrpSpPr/>
+        <p:nvPr/>
+      </p:nvGrpSpPr>
+      <p:grpSpPr>
+        <a:xfrm>
+          <a:off x="0" y="0"/>
+          <a:ext cx="0" cy="0"/>
+          <a:chOff x="0" y="0"/>
+          <a:chExt cx="0" cy="0"/>
+        </a:xfrm>
+      </p:grpSpPr>
+      <p:sp>
+        <p:nvSpPr>
+          <p:cNvPr id="2" name="Title 1"/>
+          <p:cNvSpPr>
+            <a:spLocks noGrp="1"/>
+          </p:cNvSpPr>
+          <p:nvPr>
+            <p:ph type="title"/>
+          </p:nvPr>
+        </p:nvSpPr>
+        <p:spPr/>
+        <p:txBody>
+          <a:bodyPr/>
+          <a:lstStyle/>
+          <a:p>
+            <a:r>
+              <a:rPr lang="en-US" dirty="0"/>
               <a:t>Any Question ?</a:t>
             </a:r>
             <a:endParaRPr lang="en-IN" dirty="0"/>
@@ -9731,908 +12034,7 @@
 </p:sld>
 </file>
 
-<file path=ppt/slides/slide2.xml><?xml version="1.0" encoding="utf-8"?>
-<p:sld xmlns:a="http://schemas.openxmlformats.org/drawingml/2006/main" xmlns:r="http://schemas.openxmlformats.org/officeDocument/2006/relationships" xmlns:p="http://schemas.openxmlformats.org/presentationml/2006/main">
-  <p:cSld>
-    <p:spTree>
-      <p:nvGrpSpPr>
-        <p:cNvPr id="1" name=""/>
-        <p:cNvGrpSpPr/>
-        <p:nvPr/>
-      </p:nvGrpSpPr>
-      <p:grpSpPr>
-        <a:xfrm>
-          <a:off x="0" y="0"/>
-          <a:ext cx="0" cy="0"/>
-          <a:chOff x="0" y="0"/>
-          <a:chExt cx="0" cy="0"/>
-        </a:xfrm>
-      </p:grpSpPr>
-      <p:sp>
-        <p:nvSpPr>
-          <p:cNvPr id="2" name="Title 1"/>
-          <p:cNvSpPr>
-            <a:spLocks noGrp="1"/>
-          </p:cNvSpPr>
-          <p:nvPr>
-            <p:ph type="title"/>
-          </p:nvPr>
-        </p:nvSpPr>
-        <p:spPr/>
-        <p:txBody>
-          <a:bodyPr/>
-          <a:lstStyle/>
-          <a:p>
-            <a:r>
-              <a:rPr lang="en-US" dirty="0"/>
-              <a:t>Docker Images</a:t>
-            </a:r>
-          </a:p>
-        </p:txBody>
-      </p:sp>
-      <p:sp>
-        <p:nvSpPr>
-          <p:cNvPr id="3" name="Text Placeholder 2"/>
-          <p:cNvSpPr>
-            <a:spLocks noGrp="1"/>
-          </p:cNvSpPr>
-          <p:nvPr>
-            <p:ph type="body" sz="quarter" idx="10"/>
-          </p:nvPr>
-        </p:nvSpPr>
-        <p:spPr>
-          <a:xfrm>
-            <a:off x="228600" y="685800"/>
-            <a:ext cx="8686800" cy="5867400"/>
-          </a:xfrm>
-        </p:spPr>
-        <p:txBody>
-          <a:bodyPr>
-            <a:noAutofit/>
-          </a:bodyPr>
-          <a:lstStyle/>
-          <a:p>
-            <a:r>
-              <a:rPr lang="en-US" sz="2000" dirty="0"/>
-              <a:t>Docker images are the basis of containers</a:t>
-            </a:r>
-          </a:p>
-          <a:p>
-            <a:r>
-              <a:rPr lang="en-US" sz="2000" dirty="0"/>
-              <a:t>To see the list of images that are available locally, use the  command.</a:t>
-            </a:r>
-            <a:br>
-              <a:rPr lang="en-US" sz="2000" dirty="0"/>
-            </a:br>
-            <a:r>
-              <a:rPr lang="en-US" sz="2000" dirty="0"/>
-              <a:t>docker images </a:t>
-            </a:r>
-          </a:p>
-          <a:p>
-            <a:r>
-              <a:rPr lang="en-US" sz="2000" dirty="0"/>
-              <a:t>Docker can build images automatically by reading the instructions from a </a:t>
-            </a:r>
-            <a:r>
-              <a:rPr lang="en-US" sz="2000" dirty="0" err="1"/>
-              <a:t>Dockerfile</a:t>
-            </a:r>
-            <a:r>
-              <a:rPr lang="en-US" sz="2000" dirty="0"/>
-              <a:t>. </a:t>
-            </a:r>
-          </a:p>
-          <a:p>
-            <a:r>
-              <a:rPr lang="en-US" sz="2000" dirty="0"/>
-              <a:t>The above gives a list of images that we pulled from the registry, </a:t>
-            </a:r>
-          </a:p>
-          <a:p>
-            <a:r>
-              <a:rPr lang="en-US" sz="2000" dirty="0"/>
-              <a:t>The TAG refers to a particular snapshot of the image and the IMAGE ID is the corresponding unique identifier for that image.</a:t>
-            </a:r>
-          </a:p>
-          <a:p>
-            <a:r>
-              <a:rPr lang="en-US" sz="2000" dirty="0"/>
-              <a:t>For simplicity, you can think of an image akin to a git repository - images can be committed with changes and have multiple versions. </a:t>
-            </a:r>
-          </a:p>
-          <a:p>
-            <a:r>
-              <a:rPr lang="en-US" sz="2000" dirty="0"/>
-              <a:t>If you don't provide a specific version number, the client defaults to latest. For example, you can pull a specific version of ubuntu image</a:t>
-            </a:r>
-            <a:br>
-              <a:rPr lang="en-US" sz="2000" dirty="0"/>
-            </a:br>
-            <a:r>
-              <a:rPr lang="en-IN" dirty="0"/>
-              <a:t>docker pull ubuntu:18.04</a:t>
-            </a:r>
-            <a:endParaRPr lang="en-US" sz="2000" dirty="0"/>
-          </a:p>
-          <a:p>
-            <a:endParaRPr lang="en-US" sz="2000" dirty="0"/>
-          </a:p>
-          <a:p>
-            <a:pPr marL="0" indent="0">
-              <a:buNone/>
-            </a:pPr>
-            <a:br>
-              <a:rPr lang="en-US" sz="2000" dirty="0"/>
-            </a:br>
-            <a:endParaRPr lang="en-US" sz="2000" dirty="0"/>
-          </a:p>
-        </p:txBody>
-      </p:sp>
-    </p:spTree>
-    <p:extLst>
-      <p:ext uri="{BB962C8B-B14F-4D97-AF65-F5344CB8AC3E}">
-        <p14:creationId xmlns:p14="http://schemas.microsoft.com/office/powerpoint/2010/main" val="2074270167"/>
-      </p:ext>
-    </p:extLst>
-  </p:cSld>
-  <p:clrMapOvr>
-    <a:masterClrMapping/>
-  </p:clrMapOvr>
-  <mc:AlternateContent xmlns:mc="http://schemas.openxmlformats.org/markup-compatibility/2006" xmlns:p14="http://schemas.microsoft.com/office/powerpoint/2010/main">
-    <mc:Choice Requires="p14">
-      <p:transition spd="med" p14:dur="700">
-        <p:fade/>
-      </p:transition>
-    </mc:Choice>
-    <mc:Fallback xmlns="">
-      <p:transition spd="med">
-        <p:fade/>
-      </p:transition>
-    </mc:Fallback>
-  </mc:AlternateContent>
-  <p:timing>
-    <p:tnLst>
-      <p:par>
-        <p:cTn id="1" dur="indefinite" restart="never" nodeType="tmRoot">
-          <p:childTnLst>
-            <p:seq concurrent="1" nextAc="seek">
-              <p:cTn id="2" dur="indefinite" nodeType="mainSeq">
-                <p:childTnLst>
-                  <p:par>
-                    <p:cTn id="3" fill="hold">
-                      <p:stCondLst>
-                        <p:cond delay="indefinite"/>
-                      </p:stCondLst>
-                      <p:childTnLst>
-                        <p:par>
-                          <p:cTn id="4" fill="hold">
-                            <p:stCondLst>
-                              <p:cond delay="0"/>
-                            </p:stCondLst>
-                            <p:childTnLst>
-                              <p:par>
-                                <p:cTn id="5" presetID="12" presetClass="entr" presetSubtype="4" fill="hold" grpId="0" nodeType="clickEffect">
-                                  <p:stCondLst>
-                                    <p:cond delay="0"/>
-                                  </p:stCondLst>
-                                  <p:childTnLst>
-                                    <p:set>
-                                      <p:cBhvr>
-                                        <p:cTn id="6" dur="1" fill="hold">
-                                          <p:stCondLst>
-                                            <p:cond delay="0"/>
-                                          </p:stCondLst>
-                                        </p:cTn>
-                                        <p:tgtEl>
-                                          <p:spTgt spid="3">
-                                            <p:txEl>
-                                              <p:pRg st="0" end="0"/>
-                                            </p:txEl>
-                                          </p:spTgt>
-                                        </p:tgtEl>
-                                        <p:attrNameLst>
-                                          <p:attrName>style.visibility</p:attrName>
-                                        </p:attrNameLst>
-                                      </p:cBhvr>
-                                      <p:to>
-                                        <p:strVal val="visible"/>
-                                      </p:to>
-                                    </p:set>
-                                    <p:anim calcmode="lin" valueType="num">
-                                      <p:cBhvr additive="base">
-                                        <p:cTn id="7" dur="500"/>
-                                        <p:tgtEl>
-                                          <p:spTgt spid="3">
-                                            <p:txEl>
-                                              <p:pRg st="0" end="0"/>
-                                            </p:txEl>
-                                          </p:spTgt>
-                                        </p:tgtEl>
-                                        <p:attrNameLst>
-                                          <p:attrName>ppt_y</p:attrName>
-                                        </p:attrNameLst>
-                                      </p:cBhvr>
-                                      <p:tavLst>
-                                        <p:tav tm="0">
-                                          <p:val>
-                                            <p:strVal val="#ppt_y+#ppt_h*1.125000"/>
-                                          </p:val>
-                                        </p:tav>
-                                        <p:tav tm="100000">
-                                          <p:val>
-                                            <p:strVal val="#ppt_y"/>
-                                          </p:val>
-                                        </p:tav>
-                                      </p:tavLst>
-                                    </p:anim>
-                                    <p:animEffect transition="in" filter="wipe(up)">
-                                      <p:cBhvr>
-                                        <p:cTn id="8" dur="500"/>
-                                        <p:tgtEl>
-                                          <p:spTgt spid="3">
-                                            <p:txEl>
-                                              <p:pRg st="0" end="0"/>
-                                            </p:txEl>
-                                          </p:spTgt>
-                                        </p:tgtEl>
-                                      </p:cBhvr>
-                                    </p:animEffect>
-                                  </p:childTnLst>
-                                </p:cTn>
-                              </p:par>
-                            </p:childTnLst>
-                          </p:cTn>
-                        </p:par>
-                      </p:childTnLst>
-                    </p:cTn>
-                  </p:par>
-                  <p:par>
-                    <p:cTn id="9" fill="hold">
-                      <p:stCondLst>
-                        <p:cond delay="indefinite"/>
-                      </p:stCondLst>
-                      <p:childTnLst>
-                        <p:par>
-                          <p:cTn id="10" fill="hold">
-                            <p:stCondLst>
-                              <p:cond delay="0"/>
-                            </p:stCondLst>
-                            <p:childTnLst>
-                              <p:par>
-                                <p:cTn id="11" presetID="12" presetClass="entr" presetSubtype="4" fill="hold" grpId="0" nodeType="clickEffect">
-                                  <p:stCondLst>
-                                    <p:cond delay="0"/>
-                                  </p:stCondLst>
-                                  <p:childTnLst>
-                                    <p:set>
-                                      <p:cBhvr>
-                                        <p:cTn id="12" dur="1" fill="hold">
-                                          <p:stCondLst>
-                                            <p:cond delay="0"/>
-                                          </p:stCondLst>
-                                        </p:cTn>
-                                        <p:tgtEl>
-                                          <p:spTgt spid="3">
-                                            <p:txEl>
-                                              <p:pRg st="1" end="1"/>
-                                            </p:txEl>
-                                          </p:spTgt>
-                                        </p:tgtEl>
-                                        <p:attrNameLst>
-                                          <p:attrName>style.visibility</p:attrName>
-                                        </p:attrNameLst>
-                                      </p:cBhvr>
-                                      <p:to>
-                                        <p:strVal val="visible"/>
-                                      </p:to>
-                                    </p:set>
-                                    <p:anim calcmode="lin" valueType="num">
-                                      <p:cBhvr additive="base">
-                                        <p:cTn id="13" dur="500"/>
-                                        <p:tgtEl>
-                                          <p:spTgt spid="3">
-                                            <p:txEl>
-                                              <p:pRg st="1" end="1"/>
-                                            </p:txEl>
-                                          </p:spTgt>
-                                        </p:tgtEl>
-                                        <p:attrNameLst>
-                                          <p:attrName>ppt_y</p:attrName>
-                                        </p:attrNameLst>
-                                      </p:cBhvr>
-                                      <p:tavLst>
-                                        <p:tav tm="0">
-                                          <p:val>
-                                            <p:strVal val="#ppt_y+#ppt_h*1.125000"/>
-                                          </p:val>
-                                        </p:tav>
-                                        <p:tav tm="100000">
-                                          <p:val>
-                                            <p:strVal val="#ppt_y"/>
-                                          </p:val>
-                                        </p:tav>
-                                      </p:tavLst>
-                                    </p:anim>
-                                    <p:animEffect transition="in" filter="wipe(up)">
-                                      <p:cBhvr>
-                                        <p:cTn id="14" dur="500"/>
-                                        <p:tgtEl>
-                                          <p:spTgt spid="3">
-                                            <p:txEl>
-                                              <p:pRg st="1" end="1"/>
-                                            </p:txEl>
-                                          </p:spTgt>
-                                        </p:tgtEl>
-                                      </p:cBhvr>
-                                    </p:animEffect>
-                                  </p:childTnLst>
-                                </p:cTn>
-                              </p:par>
-                            </p:childTnLst>
-                          </p:cTn>
-                        </p:par>
-                      </p:childTnLst>
-                    </p:cTn>
-                  </p:par>
-                  <p:par>
-                    <p:cTn id="15" fill="hold">
-                      <p:stCondLst>
-                        <p:cond delay="indefinite"/>
-                      </p:stCondLst>
-                      <p:childTnLst>
-                        <p:par>
-                          <p:cTn id="16" fill="hold">
-                            <p:stCondLst>
-                              <p:cond delay="0"/>
-                            </p:stCondLst>
-                            <p:childTnLst>
-                              <p:par>
-                                <p:cTn id="17" presetID="12" presetClass="entr" presetSubtype="4" fill="hold" grpId="0" nodeType="clickEffect">
-                                  <p:stCondLst>
-                                    <p:cond delay="0"/>
-                                  </p:stCondLst>
-                                  <p:childTnLst>
-                                    <p:set>
-                                      <p:cBhvr>
-                                        <p:cTn id="18" dur="1" fill="hold">
-                                          <p:stCondLst>
-                                            <p:cond delay="0"/>
-                                          </p:stCondLst>
-                                        </p:cTn>
-                                        <p:tgtEl>
-                                          <p:spTgt spid="3">
-                                            <p:txEl>
-                                              <p:pRg st="2" end="2"/>
-                                            </p:txEl>
-                                          </p:spTgt>
-                                        </p:tgtEl>
-                                        <p:attrNameLst>
-                                          <p:attrName>style.visibility</p:attrName>
-                                        </p:attrNameLst>
-                                      </p:cBhvr>
-                                      <p:to>
-                                        <p:strVal val="visible"/>
-                                      </p:to>
-                                    </p:set>
-                                    <p:anim calcmode="lin" valueType="num">
-                                      <p:cBhvr additive="base">
-                                        <p:cTn id="19" dur="500"/>
-                                        <p:tgtEl>
-                                          <p:spTgt spid="3">
-                                            <p:txEl>
-                                              <p:pRg st="2" end="2"/>
-                                            </p:txEl>
-                                          </p:spTgt>
-                                        </p:tgtEl>
-                                        <p:attrNameLst>
-                                          <p:attrName>ppt_y</p:attrName>
-                                        </p:attrNameLst>
-                                      </p:cBhvr>
-                                      <p:tavLst>
-                                        <p:tav tm="0">
-                                          <p:val>
-                                            <p:strVal val="#ppt_y+#ppt_h*1.125000"/>
-                                          </p:val>
-                                        </p:tav>
-                                        <p:tav tm="100000">
-                                          <p:val>
-                                            <p:strVal val="#ppt_y"/>
-                                          </p:val>
-                                        </p:tav>
-                                      </p:tavLst>
-                                    </p:anim>
-                                    <p:animEffect transition="in" filter="wipe(up)">
-                                      <p:cBhvr>
-                                        <p:cTn id="20" dur="500"/>
-                                        <p:tgtEl>
-                                          <p:spTgt spid="3">
-                                            <p:txEl>
-                                              <p:pRg st="2" end="2"/>
-                                            </p:txEl>
-                                          </p:spTgt>
-                                        </p:tgtEl>
-                                      </p:cBhvr>
-                                    </p:animEffect>
-                                  </p:childTnLst>
-                                </p:cTn>
-                              </p:par>
-                            </p:childTnLst>
-                          </p:cTn>
-                        </p:par>
-                      </p:childTnLst>
-                    </p:cTn>
-                  </p:par>
-                  <p:par>
-                    <p:cTn id="21" fill="hold">
-                      <p:stCondLst>
-                        <p:cond delay="indefinite"/>
-                      </p:stCondLst>
-                      <p:childTnLst>
-                        <p:par>
-                          <p:cTn id="22" fill="hold">
-                            <p:stCondLst>
-                              <p:cond delay="0"/>
-                            </p:stCondLst>
-                            <p:childTnLst>
-                              <p:par>
-                                <p:cTn id="23" presetID="12" presetClass="entr" presetSubtype="4" fill="hold" grpId="0" nodeType="clickEffect">
-                                  <p:stCondLst>
-                                    <p:cond delay="0"/>
-                                  </p:stCondLst>
-                                  <p:childTnLst>
-                                    <p:set>
-                                      <p:cBhvr>
-                                        <p:cTn id="24" dur="1" fill="hold">
-                                          <p:stCondLst>
-                                            <p:cond delay="0"/>
-                                          </p:stCondLst>
-                                        </p:cTn>
-                                        <p:tgtEl>
-                                          <p:spTgt spid="3">
-                                            <p:txEl>
-                                              <p:pRg st="3" end="3"/>
-                                            </p:txEl>
-                                          </p:spTgt>
-                                        </p:tgtEl>
-                                        <p:attrNameLst>
-                                          <p:attrName>style.visibility</p:attrName>
-                                        </p:attrNameLst>
-                                      </p:cBhvr>
-                                      <p:to>
-                                        <p:strVal val="visible"/>
-                                      </p:to>
-                                    </p:set>
-                                    <p:anim calcmode="lin" valueType="num">
-                                      <p:cBhvr additive="base">
-                                        <p:cTn id="25" dur="500"/>
-                                        <p:tgtEl>
-                                          <p:spTgt spid="3">
-                                            <p:txEl>
-                                              <p:pRg st="3" end="3"/>
-                                            </p:txEl>
-                                          </p:spTgt>
-                                        </p:tgtEl>
-                                        <p:attrNameLst>
-                                          <p:attrName>ppt_y</p:attrName>
-                                        </p:attrNameLst>
-                                      </p:cBhvr>
-                                      <p:tavLst>
-                                        <p:tav tm="0">
-                                          <p:val>
-                                            <p:strVal val="#ppt_y+#ppt_h*1.125000"/>
-                                          </p:val>
-                                        </p:tav>
-                                        <p:tav tm="100000">
-                                          <p:val>
-                                            <p:strVal val="#ppt_y"/>
-                                          </p:val>
-                                        </p:tav>
-                                      </p:tavLst>
-                                    </p:anim>
-                                    <p:animEffect transition="in" filter="wipe(up)">
-                                      <p:cBhvr>
-                                        <p:cTn id="26" dur="500"/>
-                                        <p:tgtEl>
-                                          <p:spTgt spid="3">
-                                            <p:txEl>
-                                              <p:pRg st="3" end="3"/>
-                                            </p:txEl>
-                                          </p:spTgt>
-                                        </p:tgtEl>
-                                      </p:cBhvr>
-                                    </p:animEffect>
-                                  </p:childTnLst>
-                                </p:cTn>
-                              </p:par>
-                            </p:childTnLst>
-                          </p:cTn>
-                        </p:par>
-                      </p:childTnLst>
-                    </p:cTn>
-                  </p:par>
-                  <p:par>
-                    <p:cTn id="27" fill="hold">
-                      <p:stCondLst>
-                        <p:cond delay="indefinite"/>
-                      </p:stCondLst>
-                      <p:childTnLst>
-                        <p:par>
-                          <p:cTn id="28" fill="hold">
-                            <p:stCondLst>
-                              <p:cond delay="0"/>
-                            </p:stCondLst>
-                            <p:childTnLst>
-                              <p:par>
-                                <p:cTn id="29" presetID="12" presetClass="entr" presetSubtype="4" fill="hold" grpId="0" nodeType="clickEffect">
-                                  <p:stCondLst>
-                                    <p:cond delay="0"/>
-                                  </p:stCondLst>
-                                  <p:childTnLst>
-                                    <p:set>
-                                      <p:cBhvr>
-                                        <p:cTn id="30" dur="1" fill="hold">
-                                          <p:stCondLst>
-                                            <p:cond delay="0"/>
-                                          </p:stCondLst>
-                                        </p:cTn>
-                                        <p:tgtEl>
-                                          <p:spTgt spid="3">
-                                            <p:txEl>
-                                              <p:pRg st="4" end="4"/>
-                                            </p:txEl>
-                                          </p:spTgt>
-                                        </p:tgtEl>
-                                        <p:attrNameLst>
-                                          <p:attrName>style.visibility</p:attrName>
-                                        </p:attrNameLst>
-                                      </p:cBhvr>
-                                      <p:to>
-                                        <p:strVal val="visible"/>
-                                      </p:to>
-                                    </p:set>
-                                    <p:anim calcmode="lin" valueType="num">
-                                      <p:cBhvr additive="base">
-                                        <p:cTn id="31" dur="500"/>
-                                        <p:tgtEl>
-                                          <p:spTgt spid="3">
-                                            <p:txEl>
-                                              <p:pRg st="4" end="4"/>
-                                            </p:txEl>
-                                          </p:spTgt>
-                                        </p:tgtEl>
-                                        <p:attrNameLst>
-                                          <p:attrName>ppt_y</p:attrName>
-                                        </p:attrNameLst>
-                                      </p:cBhvr>
-                                      <p:tavLst>
-                                        <p:tav tm="0">
-                                          <p:val>
-                                            <p:strVal val="#ppt_y+#ppt_h*1.125000"/>
-                                          </p:val>
-                                        </p:tav>
-                                        <p:tav tm="100000">
-                                          <p:val>
-                                            <p:strVal val="#ppt_y"/>
-                                          </p:val>
-                                        </p:tav>
-                                      </p:tavLst>
-                                    </p:anim>
-                                    <p:animEffect transition="in" filter="wipe(up)">
-                                      <p:cBhvr>
-                                        <p:cTn id="32" dur="500"/>
-                                        <p:tgtEl>
-                                          <p:spTgt spid="3">
-                                            <p:txEl>
-                                              <p:pRg st="4" end="4"/>
-                                            </p:txEl>
-                                          </p:spTgt>
-                                        </p:tgtEl>
-                                      </p:cBhvr>
-                                    </p:animEffect>
-                                  </p:childTnLst>
-                                </p:cTn>
-                              </p:par>
-                            </p:childTnLst>
-                          </p:cTn>
-                        </p:par>
-                      </p:childTnLst>
-                    </p:cTn>
-                  </p:par>
-                  <p:par>
-                    <p:cTn id="33" fill="hold">
-                      <p:stCondLst>
-                        <p:cond delay="indefinite"/>
-                      </p:stCondLst>
-                      <p:childTnLst>
-                        <p:par>
-                          <p:cTn id="34" fill="hold">
-                            <p:stCondLst>
-                              <p:cond delay="0"/>
-                            </p:stCondLst>
-                            <p:childTnLst>
-                              <p:par>
-                                <p:cTn id="35" presetID="12" presetClass="entr" presetSubtype="4" fill="hold" grpId="0" nodeType="clickEffect">
-                                  <p:stCondLst>
-                                    <p:cond delay="0"/>
-                                  </p:stCondLst>
-                                  <p:childTnLst>
-                                    <p:set>
-                                      <p:cBhvr>
-                                        <p:cTn id="36" dur="1" fill="hold">
-                                          <p:stCondLst>
-                                            <p:cond delay="0"/>
-                                          </p:stCondLst>
-                                        </p:cTn>
-                                        <p:tgtEl>
-                                          <p:spTgt spid="3">
-                                            <p:txEl>
-                                              <p:pRg st="5" end="5"/>
-                                            </p:txEl>
-                                          </p:spTgt>
-                                        </p:tgtEl>
-                                        <p:attrNameLst>
-                                          <p:attrName>style.visibility</p:attrName>
-                                        </p:attrNameLst>
-                                      </p:cBhvr>
-                                      <p:to>
-                                        <p:strVal val="visible"/>
-                                      </p:to>
-                                    </p:set>
-                                    <p:anim calcmode="lin" valueType="num">
-                                      <p:cBhvr additive="base">
-                                        <p:cTn id="37" dur="500"/>
-                                        <p:tgtEl>
-                                          <p:spTgt spid="3">
-                                            <p:txEl>
-                                              <p:pRg st="5" end="5"/>
-                                            </p:txEl>
-                                          </p:spTgt>
-                                        </p:tgtEl>
-                                        <p:attrNameLst>
-                                          <p:attrName>ppt_y</p:attrName>
-                                        </p:attrNameLst>
-                                      </p:cBhvr>
-                                      <p:tavLst>
-                                        <p:tav tm="0">
-                                          <p:val>
-                                            <p:strVal val="#ppt_y+#ppt_h*1.125000"/>
-                                          </p:val>
-                                        </p:tav>
-                                        <p:tav tm="100000">
-                                          <p:val>
-                                            <p:strVal val="#ppt_y"/>
-                                          </p:val>
-                                        </p:tav>
-                                      </p:tavLst>
-                                    </p:anim>
-                                    <p:animEffect transition="in" filter="wipe(up)">
-                                      <p:cBhvr>
-                                        <p:cTn id="38" dur="500"/>
-                                        <p:tgtEl>
-                                          <p:spTgt spid="3">
-                                            <p:txEl>
-                                              <p:pRg st="5" end="5"/>
-                                            </p:txEl>
-                                          </p:spTgt>
-                                        </p:tgtEl>
-                                      </p:cBhvr>
-                                    </p:animEffect>
-                                  </p:childTnLst>
-                                </p:cTn>
-                              </p:par>
-                            </p:childTnLst>
-                          </p:cTn>
-                        </p:par>
-                      </p:childTnLst>
-                    </p:cTn>
-                  </p:par>
-                  <p:par>
-                    <p:cTn id="39" fill="hold">
-                      <p:stCondLst>
-                        <p:cond delay="indefinite"/>
-                      </p:stCondLst>
-                      <p:childTnLst>
-                        <p:par>
-                          <p:cTn id="40" fill="hold">
-                            <p:stCondLst>
-                              <p:cond delay="0"/>
-                            </p:stCondLst>
-                            <p:childTnLst>
-                              <p:par>
-                                <p:cTn id="41" presetID="12" presetClass="entr" presetSubtype="4" fill="hold" grpId="0" nodeType="clickEffect">
-                                  <p:stCondLst>
-                                    <p:cond delay="0"/>
-                                  </p:stCondLst>
-                                  <p:childTnLst>
-                                    <p:set>
-                                      <p:cBhvr>
-                                        <p:cTn id="42" dur="1" fill="hold">
-                                          <p:stCondLst>
-                                            <p:cond delay="0"/>
-                                          </p:stCondLst>
-                                        </p:cTn>
-                                        <p:tgtEl>
-                                          <p:spTgt spid="3">
-                                            <p:txEl>
-                                              <p:pRg st="6" end="6"/>
-                                            </p:txEl>
-                                          </p:spTgt>
-                                        </p:tgtEl>
-                                        <p:attrNameLst>
-                                          <p:attrName>style.visibility</p:attrName>
-                                        </p:attrNameLst>
-                                      </p:cBhvr>
-                                      <p:to>
-                                        <p:strVal val="visible"/>
-                                      </p:to>
-                                    </p:set>
-                                    <p:anim calcmode="lin" valueType="num">
-                                      <p:cBhvr additive="base">
-                                        <p:cTn id="43" dur="500"/>
-                                        <p:tgtEl>
-                                          <p:spTgt spid="3">
-                                            <p:txEl>
-                                              <p:pRg st="6" end="6"/>
-                                            </p:txEl>
-                                          </p:spTgt>
-                                        </p:tgtEl>
-                                        <p:attrNameLst>
-                                          <p:attrName>ppt_y</p:attrName>
-                                        </p:attrNameLst>
-                                      </p:cBhvr>
-                                      <p:tavLst>
-                                        <p:tav tm="0">
-                                          <p:val>
-                                            <p:strVal val="#ppt_y+#ppt_h*1.125000"/>
-                                          </p:val>
-                                        </p:tav>
-                                        <p:tav tm="100000">
-                                          <p:val>
-                                            <p:strVal val="#ppt_y"/>
-                                          </p:val>
-                                        </p:tav>
-                                      </p:tavLst>
-                                    </p:anim>
-                                    <p:animEffect transition="in" filter="wipe(up)">
-                                      <p:cBhvr>
-                                        <p:cTn id="44" dur="500"/>
-                                        <p:tgtEl>
-                                          <p:spTgt spid="3">
-                                            <p:txEl>
-                                              <p:pRg st="6" end="6"/>
-                                            </p:txEl>
-                                          </p:spTgt>
-                                        </p:tgtEl>
-                                      </p:cBhvr>
-                                    </p:animEffect>
-                                  </p:childTnLst>
-                                </p:cTn>
-                              </p:par>
-                            </p:childTnLst>
-                          </p:cTn>
-                        </p:par>
-                      </p:childTnLst>
-                    </p:cTn>
-                  </p:par>
-                  <p:par>
-                    <p:cTn id="45" fill="hold">
-                      <p:stCondLst>
-                        <p:cond delay="indefinite"/>
-                      </p:stCondLst>
-                      <p:childTnLst>
-                        <p:par>
-                          <p:cTn id="46" fill="hold">
-                            <p:stCondLst>
-                              <p:cond delay="0"/>
-                            </p:stCondLst>
-                            <p:childTnLst>
-                              <p:par>
-                                <p:cTn id="47" presetID="12" presetClass="entr" presetSubtype="4" fill="hold" grpId="0" nodeType="clickEffect">
-                                  <p:stCondLst>
-                                    <p:cond delay="0"/>
-                                  </p:stCondLst>
-                                  <p:childTnLst>
-                                    <p:set>
-                                      <p:cBhvr>
-                                        <p:cTn id="48" dur="1" fill="hold">
-                                          <p:stCondLst>
-                                            <p:cond delay="0"/>
-                                          </p:stCondLst>
-                                        </p:cTn>
-                                        <p:tgtEl>
-                                          <p:spTgt spid="3">
-                                            <p:txEl>
-                                              <p:pRg st="8" end="8"/>
-                                            </p:txEl>
-                                          </p:spTgt>
-                                        </p:tgtEl>
-                                        <p:attrNameLst>
-                                          <p:attrName>style.visibility</p:attrName>
-                                        </p:attrNameLst>
-                                      </p:cBhvr>
-                                      <p:to>
-                                        <p:strVal val="visible"/>
-                                      </p:to>
-                                    </p:set>
-                                    <p:anim calcmode="lin" valueType="num">
-                                      <p:cBhvr additive="base">
-                                        <p:cTn id="49" dur="500"/>
-                                        <p:tgtEl>
-                                          <p:spTgt spid="3">
-                                            <p:txEl>
-                                              <p:pRg st="8" end="8"/>
-                                            </p:txEl>
-                                          </p:spTgt>
-                                        </p:tgtEl>
-                                        <p:attrNameLst>
-                                          <p:attrName>ppt_y</p:attrName>
-                                        </p:attrNameLst>
-                                      </p:cBhvr>
-                                      <p:tavLst>
-                                        <p:tav tm="0">
-                                          <p:val>
-                                            <p:strVal val="#ppt_y+#ppt_h*1.125000"/>
-                                          </p:val>
-                                        </p:tav>
-                                        <p:tav tm="100000">
-                                          <p:val>
-                                            <p:strVal val="#ppt_y"/>
-                                          </p:val>
-                                        </p:tav>
-                                      </p:tavLst>
-                                    </p:anim>
-                                    <p:animEffect transition="in" filter="wipe(up)">
-                                      <p:cBhvr>
-                                        <p:cTn id="50" dur="500"/>
-                                        <p:tgtEl>
-                                          <p:spTgt spid="3">
-                                            <p:txEl>
-                                              <p:pRg st="8" end="8"/>
-                                            </p:txEl>
-                                          </p:spTgt>
-                                        </p:tgtEl>
-                                      </p:cBhvr>
-                                    </p:animEffect>
-                                  </p:childTnLst>
-                                </p:cTn>
-                              </p:par>
-                            </p:childTnLst>
-                          </p:cTn>
-                        </p:par>
-                      </p:childTnLst>
-                    </p:cTn>
-                  </p:par>
-                </p:childTnLst>
-              </p:cTn>
-              <p:prevCondLst>
-                <p:cond evt="onPrev" delay="0">
-                  <p:tgtEl>
-                    <p:sldTgt/>
-                  </p:tgtEl>
-                </p:cond>
-              </p:prevCondLst>
-              <p:nextCondLst>
-                <p:cond evt="onNext" delay="0">
-                  <p:tgtEl>
-                    <p:sldTgt/>
-                  </p:tgtEl>
-                </p:cond>
-              </p:nextCondLst>
-            </p:seq>
-          </p:childTnLst>
-        </p:cTn>
-      </p:par>
-    </p:tnLst>
-    <p:bldLst>
-      <p:bldP spid="3" grpId="0" build="p"/>
-    </p:bldLst>
-  </p:timing>
-</p:sld>
-</file>
-
-<file path=ppt/slides/slide20.xml><?xml version="1.0" encoding="utf-8"?>
+<file path=ppt/slides/slide21.xml><?xml version="1.0" encoding="utf-8"?>
 <p:sld xmlns:a="http://schemas.openxmlformats.org/drawingml/2006/main" xmlns:r="http://schemas.openxmlformats.org/officeDocument/2006/relationships" xmlns:p="http://schemas.openxmlformats.org/presentationml/2006/main">
   <p:cSld>
     <p:spTree>
@@ -17376,15 +18778,6 @@
 </file>
 
 <file path=customXml/item1.xml><?xml version="1.0" encoding="utf-8"?>
-<?mso-contentType ?>
-<FormTemplates xmlns="http://schemas.microsoft.com/sharepoint/v3/contenttype/forms">
-  <Display>DocumentLibraryForm</Display>
-  <Edit>DocumentLibraryForm</Edit>
-  <New>DocumentLibraryForm</New>
-</FormTemplates>
-</file>
-
-<file path=customXml/item2.xml><?xml version="1.0" encoding="utf-8"?>
 <p:properties xmlns:p="http://schemas.microsoft.com/office/2006/metadata/properties" xmlns:xsi="http://www.w3.org/2001/XMLSchema-instance" xmlns:pc="http://schemas.microsoft.com/office/infopath/2007/PartnerControls">
   <documentManagement>
     <Version_x0020_No_x002e_ xmlns="5b0b727f-9d55-4674-90df-9368557459d7">1.0</Version_x0020_No_x002e_>
@@ -17393,6 +18786,15 @@
     <Version_x0020_No xmlns="5b0b727f-9d55-4674-90df-9368557459d7">1.0</Version_x0020_No>
   </documentManagement>
 </p:properties>
+</file>
+
+<file path=customXml/item2.xml><?xml version="1.0" encoding="utf-8"?>
+<?mso-contentType ?>
+<FormTemplates xmlns="http://schemas.microsoft.com/sharepoint/v3/contenttype/forms">
+  <Display>DocumentLibraryForm</Display>
+  <Edit>DocumentLibraryForm</Edit>
+  <New>DocumentLibraryForm</New>
+</FormTemplates>
 </file>
 
 <file path=customXml/item3.xml><?xml version="1.0" encoding="utf-8"?>
@@ -17551,14 +18953,6 @@
 </file>
 
 <file path=customXml/itemProps1.xml><?xml version="1.0" encoding="utf-8"?>
-<ds:datastoreItem xmlns:ds="http://schemas.openxmlformats.org/officeDocument/2006/customXml" ds:itemID="{2215CF3E-B7B2-4757-A9A7-BF8CDE2155B6}">
-  <ds:schemaRefs>
-    <ds:schemaRef ds:uri="http://schemas.microsoft.com/sharepoint/v3/contenttype/forms"/>
-  </ds:schemaRefs>
-</ds:datastoreItem>
-</file>
-
-<file path=customXml/itemProps2.xml><?xml version="1.0" encoding="utf-8"?>
 <ds:datastoreItem xmlns:ds="http://schemas.openxmlformats.org/officeDocument/2006/customXml" ds:itemID="{B0006A50-4E7D-423B-9555-E21005059E29}">
   <ds:schemaRefs>
     <ds:schemaRef ds:uri="http://schemas.microsoft.com/office/2006/documentManagement/types"/>
@@ -17571,6 +18965,14 @@
     <ds:schemaRef ds:uri="http://purl.org/dc/dcmitype/"/>
     <ds:schemaRef ds:uri="3f0a5add-00cc-4c5e-8a54-6b524d8608b8"/>
     <ds:schemaRef ds:uri="http://www.w3.org/XML/1998/namespace"/>
+  </ds:schemaRefs>
+</ds:datastoreItem>
+</file>
+
+<file path=customXml/itemProps2.xml><?xml version="1.0" encoding="utf-8"?>
+<ds:datastoreItem xmlns:ds="http://schemas.openxmlformats.org/officeDocument/2006/customXml" ds:itemID="{2215CF3E-B7B2-4757-A9A7-BF8CDE2155B6}">
+  <ds:schemaRefs>
+    <ds:schemaRef ds:uri="http://schemas.microsoft.com/sharepoint/v3/contenttype/forms"/>
   </ds:schemaRefs>
 </ds:datastoreItem>
 </file>
